--- a/presentations/Docker Containers.pptx
+++ b/presentations/Docker Containers.pptx
@@ -231,7 +231,7 @@
           <a:p>
             <a:fld id="{6C7BA811-8917-4F1D-B22F-E96045BFA4E0}" type="datetimeFigureOut">
               <a:rPr lang="en-US" smtClean="0"/>
-              <a:t>11/2/2022</a:t>
+              <a:t>11/3/2022</a:t>
             </a:fld>
             <a:endParaRPr lang="en-US" dirty="0"/>
           </a:p>
@@ -499,6 +499,94 @@
 </file>
 
 <file path=ppt/notesSlides/notesSlide1.xml><?xml version="1.0" encoding="utf-8"?>
+<p:notes xmlns:a="http://schemas.openxmlformats.org/drawingml/2006/main" xmlns:r="http://schemas.openxmlformats.org/officeDocument/2006/relationships" xmlns:p="http://schemas.openxmlformats.org/presentationml/2006/main">
+  <p:cSld>
+    <p:spTree>
+      <p:nvGrpSpPr>
+        <p:cNvPr id="1" name=""/>
+        <p:cNvGrpSpPr/>
+        <p:nvPr/>
+      </p:nvGrpSpPr>
+      <p:grpSpPr>
+        <a:xfrm>
+          <a:off x="0" y="0"/>
+          <a:ext cx="0" cy="0"/>
+          <a:chOff x="0" y="0"/>
+          <a:chExt cx="0" cy="0"/>
+        </a:xfrm>
+      </p:grpSpPr>
+      <p:sp>
+        <p:nvSpPr>
+          <p:cNvPr id="2" name="Slide Image Placeholder 1"/>
+          <p:cNvSpPr>
+            <a:spLocks noGrp="1" noRot="1" noChangeAspect="1"/>
+          </p:cNvSpPr>
+          <p:nvPr>
+            <p:ph type="sldImg"/>
+          </p:nvPr>
+        </p:nvSpPr>
+        <p:spPr/>
+      </p:sp>
+      <p:sp>
+        <p:nvSpPr>
+          <p:cNvPr id="3" name="Notes Placeholder 2"/>
+          <p:cNvSpPr>
+            <a:spLocks noGrp="1"/>
+          </p:cNvSpPr>
+          <p:nvPr>
+            <p:ph type="body" idx="1"/>
+          </p:nvPr>
+        </p:nvSpPr>
+        <p:spPr/>
+        <p:txBody>
+          <a:bodyPr/>
+          <a:lstStyle/>
+          <a:p>
+            <a:r>
+              <a:rPr lang="en-GB"/>
+              <a:t>[image]: https://atlas-network.com/wp-content/uploads/2019/03/containers1-16.9.jpg</a:t>
+            </a:r>
+            <a:endParaRPr lang="en-GB" dirty="0"/>
+          </a:p>
+        </p:txBody>
+      </p:sp>
+      <p:sp>
+        <p:nvSpPr>
+          <p:cNvPr id="4" name="Slide Number Placeholder 3"/>
+          <p:cNvSpPr>
+            <a:spLocks noGrp="1"/>
+          </p:cNvSpPr>
+          <p:nvPr>
+            <p:ph type="sldNum" sz="quarter" idx="5"/>
+          </p:nvPr>
+        </p:nvSpPr>
+        <p:spPr/>
+        <p:txBody>
+          <a:bodyPr/>
+          <a:lstStyle/>
+          <a:p>
+            <a:fld id="{D40C6A29-4676-420C-BBE3-ACC2B80F64D4}" type="slidenum">
+              <a:rPr lang="en-US" smtClean="0"/>
+              <a:t>1</a:t>
+            </a:fld>
+            <a:endParaRPr lang="en-US" dirty="0"/>
+          </a:p>
+        </p:txBody>
+      </p:sp>
+    </p:spTree>
+    <p:extLst>
+      <p:ext uri="{BB962C8B-B14F-4D97-AF65-F5344CB8AC3E}">
+        <p14:creationId xmlns:p14="http://schemas.microsoft.com/office/powerpoint/2010/main" val="2798642201"/>
+      </p:ext>
+    </p:extLst>
+  </p:cSld>
+  <p:clrMapOvr>
+    <a:masterClrMapping/>
+  </p:clrMapOvr>
+</p:notes>
+</file>
+
+<file path=ppt/notesSlides/notesSlide2.xml><?xml version="1.0" encoding="utf-8"?>
 <p:notes xmlns:a="http://schemas.openxmlformats.org/drawingml/2006/main" xmlns:r="http://schemas.openxmlformats.org/officeDocument/2006/relationships" xmlns:p="http://schemas.openxmlformats.org/presentationml/2006/main">
   <p:cSld>
     <p:spTree>
@@ -12125,7 +12213,7 @@
     <p:bg>
       <p:bgPr>
         <a:blipFill dpi="0" rotWithShape="1">
-          <a:blip r:embed="rId2">
+          <a:blip r:embed="rId3">
             <a:lum/>
           </a:blip>
           <a:srcRect/>
@@ -14019,24 +14107,6 @@
 </file>
 
 <file path=customXml/item1.xml><?xml version="1.0" encoding="utf-8"?>
-<p:properties xmlns:p="http://schemas.microsoft.com/office/2006/metadata/properties" xmlns:xsi="http://www.w3.org/2001/XMLSchema-instance" xmlns:pc="http://schemas.microsoft.com/office/infopath/2007/PartnerControls">
-  <documentManagement>
-    <Status xmlns="71af3243-3dd4-4a8d-8c0d-dd76da1f02a5">Not started</Status>
-    <MediaServiceKeyPoints xmlns="71af3243-3dd4-4a8d-8c0d-dd76da1f02a5" xsi:nil="true"/>
-  </documentManagement>
-</p:properties>
-</file>
-
-<file path=customXml/item2.xml><?xml version="1.0" encoding="utf-8"?>
-<?mso-contentType ?>
-<FormTemplates xmlns="http://schemas.microsoft.com/sharepoint/v3/contenttype/forms">
-  <Display>DocumentLibraryForm</Display>
-  <Edit>DocumentLibraryForm</Edit>
-  <New>DocumentLibraryForm</New>
-</FormTemplates>
-</file>
-
-<file path=customXml/item3.xml><?xml version="1.0" encoding="utf-8"?>
 <ct:contentTypeSchema xmlns:ct="http://schemas.microsoft.com/office/2006/metadata/contentType" xmlns:ma="http://schemas.microsoft.com/office/2006/metadata/properties/metaAttributes" ct:_="" ma:_="" ma:contentTypeName="Document" ma:contentTypeID="0x01010079F111ED35F8CC479449609E8A0923A6" ma:contentTypeVersion="12" ma:contentTypeDescription="Create a new document." ma:contentTypeScope="" ma:versionID="426e97fa315356fffbdcd9876fe988c2">
   <xsd:schema xmlns:xsd="http://www.w3.org/2001/XMLSchema" xmlns:xs="http://www.w3.org/2001/XMLSchema" xmlns:p="http://schemas.microsoft.com/office/2006/metadata/properties" xmlns:ns2="71af3243-3dd4-4a8d-8c0d-dd76da1f02a5" xmlns:ns3="16c05727-aa75-4e4a-9b5f-8a80a1165891" targetNamespace="http://schemas.microsoft.com/office/2006/metadata/properties" ma:root="true" ma:fieldsID="14b8f0def80e6d70ce3def20c90759ae" ns2:_="" ns3:_="">
     <xsd:import namespace="71af3243-3dd4-4a8d-8c0d-dd76da1f02a5"/>
@@ -14257,25 +14327,25 @@
 </ct:contentTypeSchema>
 </file>
 
-<file path=customXml/itemProps1.xml><?xml version="1.0" encoding="utf-8"?>
-<ds:datastoreItem xmlns:ds="http://schemas.openxmlformats.org/officeDocument/2006/customXml" ds:itemID="{FBDEF148-1770-458F-8F5B-C3D0A278AA97}">
-  <ds:schemaRefs>
-    <ds:schemaRef ds:uri="http://schemas.microsoft.com/office/2006/metadata/properties"/>
-    <ds:schemaRef ds:uri="http://schemas.microsoft.com/office/infopath/2007/PartnerControls"/>
-    <ds:schemaRef ds:uri="71af3243-3dd4-4a8d-8c0d-dd76da1f02a5"/>
-  </ds:schemaRefs>
-</ds:datastoreItem>
+<file path=customXml/item2.xml><?xml version="1.0" encoding="utf-8"?>
+<?mso-contentType ?>
+<FormTemplates xmlns="http://schemas.microsoft.com/sharepoint/v3/contenttype/forms">
+  <Display>DocumentLibraryForm</Display>
+  <Edit>DocumentLibraryForm</Edit>
+  <New>DocumentLibraryForm</New>
+</FormTemplates>
 </file>
 
-<file path=customXml/itemProps2.xml><?xml version="1.0" encoding="utf-8"?>
-<ds:datastoreItem xmlns:ds="http://schemas.openxmlformats.org/officeDocument/2006/customXml" ds:itemID="{1A449C04-64B3-4403-94B7-8D2284C38D1B}">
-  <ds:schemaRefs>
-    <ds:schemaRef ds:uri="http://schemas.microsoft.com/sharepoint/v3/contenttype/forms"/>
-  </ds:schemaRefs>
-</ds:datastoreItem>
+<file path=customXml/item3.xml><?xml version="1.0" encoding="utf-8"?>
+<p:properties xmlns:p="http://schemas.microsoft.com/office/2006/metadata/properties" xmlns:xsi="http://www.w3.org/2001/XMLSchema-instance" xmlns:pc="http://schemas.microsoft.com/office/infopath/2007/PartnerControls">
+  <documentManagement>
+    <Status xmlns="71af3243-3dd4-4a8d-8c0d-dd76da1f02a5">Not started</Status>
+    <MediaServiceKeyPoints xmlns="71af3243-3dd4-4a8d-8c0d-dd76da1f02a5" xsi:nil="true"/>
+  </documentManagement>
+</p:properties>
 </file>
 
-<file path=customXml/itemProps3.xml><?xml version="1.0" encoding="utf-8"?>
+<file path=customXml/itemProps1.xml><?xml version="1.0" encoding="utf-8"?>
 <ds:datastoreItem xmlns:ds="http://schemas.openxmlformats.org/officeDocument/2006/customXml" ds:itemID="{8413533D-8C39-401E-8B75-B1AEEEC56B93}">
   <ds:schemaRefs>
     <ds:schemaRef ds:uri="http://schemas.microsoft.com/office/2006/metadata/contentType"/>
@@ -14292,4 +14362,22 @@
     <ds:schemaRef ds:uri="http://schemas.microsoft.com/internal/obd"/>
   </ds:schemaRefs>
 </ds:datastoreItem>
+</file>
+
+<file path=customXml/itemProps2.xml><?xml version="1.0" encoding="utf-8"?>
+<ds:datastoreItem xmlns:ds="http://schemas.openxmlformats.org/officeDocument/2006/customXml" ds:itemID="{1A449C04-64B3-4403-94B7-8D2284C38D1B}">
+  <ds:schemaRefs>
+    <ds:schemaRef ds:uri="http://schemas.microsoft.com/sharepoint/v3/contenttype/forms"/>
+  </ds:schemaRefs>
+</ds:datastoreItem>
+</file>
+
+<file path=customXml/itemProps3.xml><?xml version="1.0" encoding="utf-8"?>
+<ds:datastoreItem xmlns:ds="http://schemas.openxmlformats.org/officeDocument/2006/customXml" ds:itemID="{FBDEF148-1770-458F-8F5B-C3D0A278AA97}">
+  <ds:schemaRefs>
+    <ds:schemaRef ds:uri="http://schemas.microsoft.com/office/2006/metadata/properties"/>
+    <ds:schemaRef ds:uri="http://schemas.microsoft.com/office/infopath/2007/PartnerControls"/>
+    <ds:schemaRef ds:uri="71af3243-3dd4-4a8d-8c0d-dd76da1f02a5"/>
+  </ds:schemaRefs>
+</ds:datastoreItem>
 </file>
--- a/presentations/Docker Containers.pptx
+++ b/presentations/Docker Containers.pptx
@@ -5,17 +5,21 @@
     <p:sldMasterId id="2147483768" r:id="rId4"/>
   </p:sldMasterIdLst>
   <p:notesMasterIdLst>
-    <p:notesMasterId r:id="rId13"/>
+    <p:notesMasterId r:id="rId17"/>
   </p:notesMasterIdLst>
   <p:sldIdLst>
     <p:sldId id="3825" r:id="rId5"/>
-    <p:sldId id="3829" r:id="rId6"/>
-    <p:sldId id="3837" r:id="rId7"/>
-    <p:sldId id="3835" r:id="rId8"/>
-    <p:sldId id="3794" r:id="rId9"/>
-    <p:sldId id="3838" r:id="rId10"/>
-    <p:sldId id="3836" r:id="rId11"/>
-    <p:sldId id="3834" r:id="rId12"/>
+    <p:sldId id="3840" r:id="rId6"/>
+    <p:sldId id="3829" r:id="rId7"/>
+    <p:sldId id="3839" r:id="rId8"/>
+    <p:sldId id="3835" r:id="rId9"/>
+    <p:sldId id="3837" r:id="rId10"/>
+    <p:sldId id="3842" r:id="rId11"/>
+    <p:sldId id="3794" r:id="rId12"/>
+    <p:sldId id="3841" r:id="rId13"/>
+    <p:sldId id="3838" r:id="rId14"/>
+    <p:sldId id="3836" r:id="rId15"/>
+    <p:sldId id="3834" r:id="rId16"/>
   </p:sldIdLst>
   <p:sldSz cx="12192000" cy="6858000"/>
   <p:notesSz cx="6858000" cy="9144000"/>
@@ -231,7 +235,7 @@
           <a:p>
             <a:fld id="{6C7BA811-8917-4F1D-B22F-E96045BFA4E0}" type="datetimeFigureOut">
               <a:rPr lang="en-US" smtClean="0"/>
-              <a:t>11/3/2022</a:t>
+              <a:t>11/8/2022</a:t>
             </a:fld>
             <a:endParaRPr lang="en-US" dirty="0"/>
           </a:p>
@@ -654,7 +658,7 @@
           <a:p>
             <a:fld id="{D40C6A29-4676-420C-BBE3-ACC2B80F64D4}" type="slidenum">
               <a:rPr lang="en-US" smtClean="0"/>
-              <a:t>4</a:t>
+              <a:t>5</a:t>
             </a:fld>
             <a:endParaRPr lang="en-US" dirty="0"/>
           </a:p>
@@ -664,6 +668,264 @@
     <p:extLst>
       <p:ext uri="{BB962C8B-B14F-4D97-AF65-F5344CB8AC3E}">
         <p14:creationId xmlns:p14="http://schemas.microsoft.com/office/powerpoint/2010/main" val="3655419317"/>
+      </p:ext>
+    </p:extLst>
+  </p:cSld>
+  <p:clrMapOvr>
+    <a:masterClrMapping/>
+  </p:clrMapOvr>
+</p:notes>
+</file>
+
+<file path=ppt/notesSlides/notesSlide3.xml><?xml version="1.0" encoding="utf-8"?>
+<p:notes xmlns:a="http://schemas.openxmlformats.org/drawingml/2006/main" xmlns:r="http://schemas.openxmlformats.org/officeDocument/2006/relationships" xmlns:p="http://schemas.openxmlformats.org/presentationml/2006/main">
+  <p:cSld>
+    <p:spTree>
+      <p:nvGrpSpPr>
+        <p:cNvPr id="1" name=""/>
+        <p:cNvGrpSpPr/>
+        <p:nvPr/>
+      </p:nvGrpSpPr>
+      <p:grpSpPr>
+        <a:xfrm>
+          <a:off x="0" y="0"/>
+          <a:ext cx="0" cy="0"/>
+          <a:chOff x="0" y="0"/>
+          <a:chExt cx="0" cy="0"/>
+        </a:xfrm>
+      </p:grpSpPr>
+      <p:sp>
+        <p:nvSpPr>
+          <p:cNvPr id="2" name="Slide Image Placeholder 1"/>
+          <p:cNvSpPr>
+            <a:spLocks noGrp="1" noRot="1" noChangeAspect="1"/>
+          </p:cNvSpPr>
+          <p:nvPr>
+            <p:ph type="sldImg"/>
+          </p:nvPr>
+        </p:nvSpPr>
+        <p:spPr/>
+      </p:sp>
+      <p:sp>
+        <p:nvSpPr>
+          <p:cNvPr id="3" name="Notes Placeholder 2"/>
+          <p:cNvSpPr>
+            <a:spLocks noGrp="1"/>
+          </p:cNvSpPr>
+          <p:nvPr>
+            <p:ph type="body" idx="1"/>
+          </p:nvPr>
+        </p:nvSpPr>
+        <p:spPr/>
+        <p:txBody>
+          <a:bodyPr/>
+          <a:lstStyle/>
+          <a:p>
+            <a:endParaRPr lang="en-GB" dirty="0"/>
+          </a:p>
+        </p:txBody>
+      </p:sp>
+      <p:sp>
+        <p:nvSpPr>
+          <p:cNvPr id="4" name="Slide Number Placeholder 3"/>
+          <p:cNvSpPr>
+            <a:spLocks noGrp="1"/>
+          </p:cNvSpPr>
+          <p:nvPr>
+            <p:ph type="sldNum" sz="quarter" idx="5"/>
+          </p:nvPr>
+        </p:nvSpPr>
+        <p:spPr/>
+        <p:txBody>
+          <a:bodyPr/>
+          <a:lstStyle/>
+          <a:p>
+            <a:fld id="{D40C6A29-4676-420C-BBE3-ACC2B80F64D4}" type="slidenum">
+              <a:rPr lang="en-US" smtClean="0"/>
+              <a:t>6</a:t>
+            </a:fld>
+            <a:endParaRPr lang="en-US" dirty="0"/>
+          </a:p>
+        </p:txBody>
+      </p:sp>
+    </p:spTree>
+    <p:extLst>
+      <p:ext uri="{BB962C8B-B14F-4D97-AF65-F5344CB8AC3E}">
+        <p14:creationId xmlns:p14="http://schemas.microsoft.com/office/powerpoint/2010/main" val="3724045495"/>
+      </p:ext>
+    </p:extLst>
+  </p:cSld>
+  <p:clrMapOvr>
+    <a:masterClrMapping/>
+  </p:clrMapOvr>
+</p:notes>
+</file>
+
+<file path=ppt/notesSlides/notesSlide4.xml><?xml version="1.0" encoding="utf-8"?>
+<p:notes xmlns:a="http://schemas.openxmlformats.org/drawingml/2006/main" xmlns:r="http://schemas.openxmlformats.org/officeDocument/2006/relationships" xmlns:p="http://schemas.openxmlformats.org/presentationml/2006/main">
+  <p:cSld>
+    <p:spTree>
+      <p:nvGrpSpPr>
+        <p:cNvPr id="1" name=""/>
+        <p:cNvGrpSpPr/>
+        <p:nvPr/>
+      </p:nvGrpSpPr>
+      <p:grpSpPr>
+        <a:xfrm>
+          <a:off x="0" y="0"/>
+          <a:ext cx="0" cy="0"/>
+          <a:chOff x="0" y="0"/>
+          <a:chExt cx="0" cy="0"/>
+        </a:xfrm>
+      </p:grpSpPr>
+      <p:sp>
+        <p:nvSpPr>
+          <p:cNvPr id="2" name="Slide Image Placeholder 1"/>
+          <p:cNvSpPr>
+            <a:spLocks noGrp="1" noRot="1" noChangeAspect="1"/>
+          </p:cNvSpPr>
+          <p:nvPr>
+            <p:ph type="sldImg"/>
+          </p:nvPr>
+        </p:nvSpPr>
+        <p:spPr/>
+      </p:sp>
+      <p:sp>
+        <p:nvSpPr>
+          <p:cNvPr id="3" name="Notes Placeholder 2"/>
+          <p:cNvSpPr>
+            <a:spLocks noGrp="1"/>
+          </p:cNvSpPr>
+          <p:nvPr>
+            <p:ph type="body" idx="1"/>
+          </p:nvPr>
+        </p:nvSpPr>
+        <p:spPr/>
+        <p:txBody>
+          <a:bodyPr/>
+          <a:lstStyle/>
+          <a:p>
+            <a:r>
+              <a:rPr lang="en-GB" dirty="0"/>
+              <a:t>[image]: https://www.docker.com/pricing/</a:t>
+            </a:r>
+          </a:p>
+        </p:txBody>
+      </p:sp>
+      <p:sp>
+        <p:nvSpPr>
+          <p:cNvPr id="4" name="Slide Number Placeholder 3"/>
+          <p:cNvSpPr>
+            <a:spLocks noGrp="1"/>
+          </p:cNvSpPr>
+          <p:nvPr>
+            <p:ph type="sldNum" sz="quarter" idx="5"/>
+          </p:nvPr>
+        </p:nvSpPr>
+        <p:spPr/>
+        <p:txBody>
+          <a:bodyPr/>
+          <a:lstStyle/>
+          <a:p>
+            <a:fld id="{D40C6A29-4676-420C-BBE3-ACC2B80F64D4}" type="slidenum">
+              <a:rPr lang="en-US" smtClean="0"/>
+              <a:t>7</a:t>
+            </a:fld>
+            <a:endParaRPr lang="en-US" dirty="0"/>
+          </a:p>
+        </p:txBody>
+      </p:sp>
+    </p:spTree>
+    <p:extLst>
+      <p:ext uri="{BB962C8B-B14F-4D97-AF65-F5344CB8AC3E}">
+        <p14:creationId xmlns:p14="http://schemas.microsoft.com/office/powerpoint/2010/main" val="4089264806"/>
+      </p:ext>
+    </p:extLst>
+  </p:cSld>
+  <p:clrMapOvr>
+    <a:masterClrMapping/>
+  </p:clrMapOvr>
+</p:notes>
+</file>
+
+<file path=ppt/notesSlides/notesSlide5.xml><?xml version="1.0" encoding="utf-8"?>
+<p:notes xmlns:a="http://schemas.openxmlformats.org/drawingml/2006/main" xmlns:r="http://schemas.openxmlformats.org/officeDocument/2006/relationships" xmlns:p="http://schemas.openxmlformats.org/presentationml/2006/main">
+  <p:cSld>
+    <p:spTree>
+      <p:nvGrpSpPr>
+        <p:cNvPr id="1" name=""/>
+        <p:cNvGrpSpPr/>
+        <p:nvPr/>
+      </p:nvGrpSpPr>
+      <p:grpSpPr>
+        <a:xfrm>
+          <a:off x="0" y="0"/>
+          <a:ext cx="0" cy="0"/>
+          <a:chOff x="0" y="0"/>
+          <a:chExt cx="0" cy="0"/>
+        </a:xfrm>
+      </p:grpSpPr>
+      <p:sp>
+        <p:nvSpPr>
+          <p:cNvPr id="2" name="Slide Image Placeholder 1"/>
+          <p:cNvSpPr>
+            <a:spLocks noGrp="1" noRot="1" noChangeAspect="1"/>
+          </p:cNvSpPr>
+          <p:nvPr>
+            <p:ph type="sldImg"/>
+          </p:nvPr>
+        </p:nvSpPr>
+        <p:spPr/>
+      </p:sp>
+      <p:sp>
+        <p:nvSpPr>
+          <p:cNvPr id="3" name="Notes Placeholder 2"/>
+          <p:cNvSpPr>
+            <a:spLocks noGrp="1"/>
+          </p:cNvSpPr>
+          <p:nvPr>
+            <p:ph type="body" idx="1"/>
+          </p:nvPr>
+        </p:nvSpPr>
+        <p:spPr/>
+        <p:txBody>
+          <a:bodyPr/>
+          <a:lstStyle/>
+          <a:p>
+            <a:r>
+              <a:rPr lang="en-GB" dirty="0"/>
+              <a:t>[Data]: https://www.cvedetails.com/product/28125/Docker-Docker.html?vendor_id=13534</a:t>
+            </a:r>
+          </a:p>
+        </p:txBody>
+      </p:sp>
+      <p:sp>
+        <p:nvSpPr>
+          <p:cNvPr id="4" name="Slide Number Placeholder 3"/>
+          <p:cNvSpPr>
+            <a:spLocks noGrp="1"/>
+          </p:cNvSpPr>
+          <p:nvPr>
+            <p:ph type="sldNum" sz="quarter" idx="5"/>
+          </p:nvPr>
+        </p:nvSpPr>
+        <p:spPr/>
+        <p:txBody>
+          <a:bodyPr/>
+          <a:lstStyle/>
+          <a:p>
+            <a:fld id="{D40C6A29-4676-420C-BBE3-ACC2B80F64D4}" type="slidenum">
+              <a:rPr lang="en-US" smtClean="0"/>
+              <a:t>8</a:t>
+            </a:fld>
+            <a:endParaRPr lang="en-US" dirty="0"/>
+          </a:p>
+        </p:txBody>
+      </p:sp>
+    </p:spTree>
+    <p:extLst>
+      <p:ext uri="{BB962C8B-B14F-4D97-AF65-F5344CB8AC3E}">
+        <p14:creationId xmlns:p14="http://schemas.microsoft.com/office/powerpoint/2010/main" val="3906680933"/>
       </p:ext>
     </p:extLst>
   </p:cSld>
@@ -12364,7 +12626,602 @@
 </p:sld>
 </file>
 
+<file path=ppt/slides/slide10.xml><?xml version="1.0" encoding="utf-8"?>
+<p:sld xmlns:a="http://schemas.openxmlformats.org/drawingml/2006/main" xmlns:r="http://schemas.openxmlformats.org/officeDocument/2006/relationships" xmlns:p="http://schemas.openxmlformats.org/presentationml/2006/main">
+  <p:cSld>
+    <p:spTree>
+      <p:nvGrpSpPr>
+        <p:cNvPr id="1" name=""/>
+        <p:cNvGrpSpPr/>
+        <p:nvPr/>
+      </p:nvGrpSpPr>
+      <p:grpSpPr>
+        <a:xfrm>
+          <a:off x="0" y="0"/>
+          <a:ext cx="0" cy="0"/>
+          <a:chOff x="0" y="0"/>
+          <a:chExt cx="0" cy="0"/>
+        </a:xfrm>
+      </p:grpSpPr>
+      <p:sp>
+        <p:nvSpPr>
+          <p:cNvPr id="2" name="Title 1">
+            <a:extLst>
+              <a:ext uri="{FF2B5EF4-FFF2-40B4-BE49-F238E27FC236}">
+                <a16:creationId xmlns:a16="http://schemas.microsoft.com/office/drawing/2014/main" id="{1D46624E-1256-4074-A302-8EFDA23D77BF}"/>
+              </a:ext>
+            </a:extLst>
+          </p:cNvPr>
+          <p:cNvSpPr>
+            <a:spLocks noGrp="1"/>
+          </p:cNvSpPr>
+          <p:nvPr>
+            <p:ph type="title"/>
+          </p:nvPr>
+        </p:nvSpPr>
+        <p:spPr/>
+        <p:txBody>
+          <a:bodyPr/>
+          <a:lstStyle/>
+          <a:p>
+            <a:r>
+              <a:rPr lang="en-US" dirty="0"/>
+              <a:t>Content</a:t>
+            </a:r>
+          </a:p>
+        </p:txBody>
+      </p:sp>
+      <p:sp>
+        <p:nvSpPr>
+          <p:cNvPr id="3" name="Text Placeholder 2">
+            <a:extLst>
+              <a:ext uri="{FF2B5EF4-FFF2-40B4-BE49-F238E27FC236}">
+                <a16:creationId xmlns:a16="http://schemas.microsoft.com/office/drawing/2014/main" id="{33E8A40A-0195-4B3A-81F2-8B76B68F974F}"/>
+              </a:ext>
+            </a:extLst>
+          </p:cNvPr>
+          <p:cNvSpPr>
+            <a:spLocks noGrp="1"/>
+          </p:cNvSpPr>
+          <p:nvPr>
+            <p:ph type="body" idx="1"/>
+          </p:nvPr>
+        </p:nvSpPr>
+        <p:spPr/>
+        <p:txBody>
+          <a:bodyPr/>
+          <a:lstStyle/>
+          <a:p>
+            <a:r>
+              <a:rPr lang="en-US" dirty="0"/>
+              <a:t>Subtitle</a:t>
+            </a:r>
+          </a:p>
+        </p:txBody>
+      </p:sp>
+      <p:sp>
+        <p:nvSpPr>
+          <p:cNvPr id="4" name="Content Placeholder 3">
+            <a:extLst>
+              <a:ext uri="{FF2B5EF4-FFF2-40B4-BE49-F238E27FC236}">
+                <a16:creationId xmlns:a16="http://schemas.microsoft.com/office/drawing/2014/main" id="{A84DACD0-2773-4975-A2FE-3BD5764E1F61}"/>
+              </a:ext>
+            </a:extLst>
+          </p:cNvPr>
+          <p:cNvSpPr>
+            <a:spLocks noGrp="1"/>
+          </p:cNvSpPr>
+          <p:nvPr>
+            <p:ph sz="half" idx="2"/>
+          </p:nvPr>
+        </p:nvSpPr>
+        <p:spPr/>
+        <p:txBody>
+          <a:bodyPr/>
+          <a:lstStyle/>
+          <a:p>
+            <a:r>
+              <a:rPr lang="en-US" dirty="0"/>
+              <a:t>Add text, images, art, and videos. </a:t>
+            </a:r>
+          </a:p>
+          <a:p>
+            <a:r>
+              <a:rPr lang="en-US" dirty="0"/>
+              <a:t>Add transitions, animations, and motion. </a:t>
+            </a:r>
+          </a:p>
+          <a:p>
+            <a:r>
+              <a:rPr lang="en-US" dirty="0"/>
+              <a:t>Save to OneDrive, to get to your presentations from your computer, tablet, or phone. </a:t>
+            </a:r>
+          </a:p>
+        </p:txBody>
+      </p:sp>
+      <p:sp>
+        <p:nvSpPr>
+          <p:cNvPr id="5" name="Text Placeholder 4">
+            <a:extLst>
+              <a:ext uri="{FF2B5EF4-FFF2-40B4-BE49-F238E27FC236}">
+                <a16:creationId xmlns:a16="http://schemas.microsoft.com/office/drawing/2014/main" id="{8FCFD254-68A8-4D88-9653-D6F0238D59BD}"/>
+              </a:ext>
+            </a:extLst>
+          </p:cNvPr>
+          <p:cNvSpPr>
+            <a:spLocks noGrp="1"/>
+          </p:cNvSpPr>
+          <p:nvPr>
+            <p:ph type="body" sz="quarter" idx="3"/>
+          </p:nvPr>
+        </p:nvSpPr>
+        <p:spPr/>
+        <p:txBody>
+          <a:bodyPr/>
+          <a:lstStyle/>
+          <a:p>
+            <a:r>
+              <a:rPr lang="en-US" dirty="0"/>
+              <a:t>Subtitle</a:t>
+            </a:r>
+          </a:p>
+        </p:txBody>
+      </p:sp>
+      <p:sp>
+        <p:nvSpPr>
+          <p:cNvPr id="6" name="Content Placeholder 5">
+            <a:extLst>
+              <a:ext uri="{FF2B5EF4-FFF2-40B4-BE49-F238E27FC236}">
+                <a16:creationId xmlns:a16="http://schemas.microsoft.com/office/drawing/2014/main" id="{3905CD03-9B40-4AA4-B6AB-5B38436AB901}"/>
+              </a:ext>
+            </a:extLst>
+          </p:cNvPr>
+          <p:cNvSpPr>
+            <a:spLocks noGrp="1"/>
+          </p:cNvSpPr>
+          <p:nvPr>
+            <p:ph sz="quarter" idx="4"/>
+          </p:nvPr>
+        </p:nvSpPr>
+        <p:spPr/>
+        <p:txBody>
+          <a:bodyPr/>
+          <a:lstStyle/>
+          <a:p>
+            <a:r>
+              <a:rPr lang="en-US" sz="2400" dirty="0"/>
+              <a:t>Open the Design Ideas pane for instant slide makeovers. </a:t>
+            </a:r>
+          </a:p>
+          <a:p>
+            <a:r>
+              <a:rPr lang="en-US" sz="2400" dirty="0"/>
+              <a:t>When we have design ideas, we’ll show them to you right there. </a:t>
+            </a:r>
+          </a:p>
+        </p:txBody>
+      </p:sp>
+    </p:spTree>
+    <p:extLst>
+      <p:ext uri="{BB962C8B-B14F-4D97-AF65-F5344CB8AC3E}">
+        <p14:creationId xmlns:p14="http://schemas.microsoft.com/office/powerpoint/2010/main" val="2908756804"/>
+      </p:ext>
+    </p:extLst>
+  </p:cSld>
+  <p:clrMapOvr>
+    <a:masterClrMapping/>
+  </p:clrMapOvr>
+</p:sld>
+</file>
+
+<file path=ppt/slides/slide11.xml><?xml version="1.0" encoding="utf-8"?>
+<p:sld xmlns:a="http://schemas.openxmlformats.org/drawingml/2006/main" xmlns:r="http://schemas.openxmlformats.org/officeDocument/2006/relationships" xmlns:p="http://schemas.openxmlformats.org/presentationml/2006/main">
+  <p:cSld>
+    <p:spTree>
+      <p:nvGrpSpPr>
+        <p:cNvPr id="1" name=""/>
+        <p:cNvGrpSpPr/>
+        <p:nvPr/>
+      </p:nvGrpSpPr>
+      <p:grpSpPr>
+        <a:xfrm>
+          <a:off x="0" y="0"/>
+          <a:ext cx="0" cy="0"/>
+          <a:chOff x="0" y="0"/>
+          <a:chExt cx="0" cy="0"/>
+        </a:xfrm>
+      </p:grpSpPr>
+      <p:sp>
+        <p:nvSpPr>
+          <p:cNvPr id="2" name="Title 1">
+            <a:extLst>
+              <a:ext uri="{FF2B5EF4-FFF2-40B4-BE49-F238E27FC236}">
+                <a16:creationId xmlns:a16="http://schemas.microsoft.com/office/drawing/2014/main" id="{1D46624E-1256-4074-A302-8EFDA23D77BF}"/>
+              </a:ext>
+            </a:extLst>
+          </p:cNvPr>
+          <p:cNvSpPr>
+            <a:spLocks noGrp="1"/>
+          </p:cNvSpPr>
+          <p:nvPr>
+            <p:ph type="title"/>
+          </p:nvPr>
+        </p:nvSpPr>
+        <p:spPr/>
+        <p:txBody>
+          <a:bodyPr/>
+          <a:lstStyle/>
+          <a:p>
+            <a:r>
+              <a:rPr lang="en-US" dirty="0"/>
+              <a:t>Project: </a:t>
+            </a:r>
+            <a:r>
+              <a:rPr lang="en-US" dirty="0" err="1"/>
+              <a:t>PiHole</a:t>
+            </a:r>
+            <a:endParaRPr lang="en-US" dirty="0"/>
+          </a:p>
+        </p:txBody>
+      </p:sp>
+      <p:sp>
+        <p:nvSpPr>
+          <p:cNvPr id="3" name="Text Placeholder 2">
+            <a:extLst>
+              <a:ext uri="{FF2B5EF4-FFF2-40B4-BE49-F238E27FC236}">
+                <a16:creationId xmlns:a16="http://schemas.microsoft.com/office/drawing/2014/main" id="{33E8A40A-0195-4B3A-81F2-8B76B68F974F}"/>
+              </a:ext>
+            </a:extLst>
+          </p:cNvPr>
+          <p:cNvSpPr>
+            <a:spLocks noGrp="1"/>
+          </p:cNvSpPr>
+          <p:nvPr>
+            <p:ph type="body" idx="1"/>
+          </p:nvPr>
+        </p:nvSpPr>
+        <p:spPr/>
+        <p:txBody>
+          <a:bodyPr/>
+          <a:lstStyle/>
+          <a:p>
+            <a:r>
+              <a:rPr lang="en-US" dirty="0"/>
+              <a:t>Subtitle</a:t>
+            </a:r>
+          </a:p>
+        </p:txBody>
+      </p:sp>
+      <p:sp>
+        <p:nvSpPr>
+          <p:cNvPr id="4" name="Content Placeholder 3">
+            <a:extLst>
+              <a:ext uri="{FF2B5EF4-FFF2-40B4-BE49-F238E27FC236}">
+                <a16:creationId xmlns:a16="http://schemas.microsoft.com/office/drawing/2014/main" id="{A84DACD0-2773-4975-A2FE-3BD5764E1F61}"/>
+              </a:ext>
+            </a:extLst>
+          </p:cNvPr>
+          <p:cNvSpPr>
+            <a:spLocks noGrp="1"/>
+          </p:cNvSpPr>
+          <p:nvPr>
+            <p:ph sz="half" idx="2"/>
+          </p:nvPr>
+        </p:nvSpPr>
+        <p:spPr/>
+        <p:txBody>
+          <a:bodyPr/>
+          <a:lstStyle/>
+          <a:p>
+            <a:r>
+              <a:rPr lang="en-US" dirty="0"/>
+              <a:t>Add text, images, art, and videos. </a:t>
+            </a:r>
+          </a:p>
+          <a:p>
+            <a:r>
+              <a:rPr lang="en-US" dirty="0"/>
+              <a:t>Add transitions, animations, and motion. </a:t>
+            </a:r>
+          </a:p>
+          <a:p>
+            <a:r>
+              <a:rPr lang="en-US" dirty="0"/>
+              <a:t>Save to OneDrive, to get to your presentations from your computer, tablet, or phone. </a:t>
+            </a:r>
+          </a:p>
+        </p:txBody>
+      </p:sp>
+      <p:sp>
+        <p:nvSpPr>
+          <p:cNvPr id="5" name="Text Placeholder 4">
+            <a:extLst>
+              <a:ext uri="{FF2B5EF4-FFF2-40B4-BE49-F238E27FC236}">
+                <a16:creationId xmlns:a16="http://schemas.microsoft.com/office/drawing/2014/main" id="{8FCFD254-68A8-4D88-9653-D6F0238D59BD}"/>
+              </a:ext>
+            </a:extLst>
+          </p:cNvPr>
+          <p:cNvSpPr>
+            <a:spLocks noGrp="1"/>
+          </p:cNvSpPr>
+          <p:nvPr>
+            <p:ph type="body" sz="quarter" idx="3"/>
+          </p:nvPr>
+        </p:nvSpPr>
+        <p:spPr/>
+        <p:txBody>
+          <a:bodyPr/>
+          <a:lstStyle/>
+          <a:p>
+            <a:r>
+              <a:rPr lang="en-US" dirty="0"/>
+              <a:t>Subtitle</a:t>
+            </a:r>
+          </a:p>
+        </p:txBody>
+      </p:sp>
+      <p:sp>
+        <p:nvSpPr>
+          <p:cNvPr id="6" name="Content Placeholder 5">
+            <a:extLst>
+              <a:ext uri="{FF2B5EF4-FFF2-40B4-BE49-F238E27FC236}">
+                <a16:creationId xmlns:a16="http://schemas.microsoft.com/office/drawing/2014/main" id="{3905CD03-9B40-4AA4-B6AB-5B38436AB901}"/>
+              </a:ext>
+            </a:extLst>
+          </p:cNvPr>
+          <p:cNvSpPr>
+            <a:spLocks noGrp="1"/>
+          </p:cNvSpPr>
+          <p:nvPr>
+            <p:ph sz="quarter" idx="4"/>
+          </p:nvPr>
+        </p:nvSpPr>
+        <p:spPr/>
+        <p:txBody>
+          <a:bodyPr/>
+          <a:lstStyle/>
+          <a:p>
+            <a:r>
+              <a:rPr lang="en-US" sz="2400" dirty="0"/>
+              <a:t>Open the Design Ideas pane for instant slide makeovers. </a:t>
+            </a:r>
+          </a:p>
+          <a:p>
+            <a:r>
+              <a:rPr lang="en-US" sz="2400" dirty="0"/>
+              <a:t>When we have design ideas, we’ll show them to you right there. </a:t>
+            </a:r>
+          </a:p>
+        </p:txBody>
+      </p:sp>
+    </p:spTree>
+    <p:extLst>
+      <p:ext uri="{BB962C8B-B14F-4D97-AF65-F5344CB8AC3E}">
+        <p14:creationId xmlns:p14="http://schemas.microsoft.com/office/powerpoint/2010/main" val="2288269425"/>
+      </p:ext>
+    </p:extLst>
+  </p:cSld>
+  <p:clrMapOvr>
+    <a:masterClrMapping/>
+  </p:clrMapOvr>
+</p:sld>
+</file>
+
+<file path=ppt/slides/slide12.xml><?xml version="1.0" encoding="utf-8"?>
+<p:sld xmlns:a="http://schemas.openxmlformats.org/drawingml/2006/main" xmlns:r="http://schemas.openxmlformats.org/officeDocument/2006/relationships" xmlns:p="http://schemas.openxmlformats.org/presentationml/2006/main">
+  <p:cSld>
+    <p:spTree>
+      <p:nvGrpSpPr>
+        <p:cNvPr id="1" name=""/>
+        <p:cNvGrpSpPr/>
+        <p:nvPr/>
+      </p:nvGrpSpPr>
+      <p:grpSpPr>
+        <a:xfrm>
+          <a:off x="0" y="0"/>
+          <a:ext cx="0" cy="0"/>
+          <a:chOff x="0" y="0"/>
+          <a:chExt cx="0" cy="0"/>
+        </a:xfrm>
+      </p:grpSpPr>
+      <p:sp>
+        <p:nvSpPr>
+          <p:cNvPr id="2" name="Title 1">
+            <a:extLst>
+              <a:ext uri="{FF2B5EF4-FFF2-40B4-BE49-F238E27FC236}">
+                <a16:creationId xmlns:a16="http://schemas.microsoft.com/office/drawing/2014/main" id="{659706C9-F26D-46CA-93BF-8C27012F6B12}"/>
+              </a:ext>
+            </a:extLst>
+          </p:cNvPr>
+          <p:cNvSpPr>
+            <a:spLocks noGrp="1"/>
+          </p:cNvSpPr>
+          <p:nvPr>
+            <p:ph type="title"/>
+          </p:nvPr>
+        </p:nvSpPr>
+        <p:spPr/>
+        <p:txBody>
+          <a:bodyPr/>
+          <a:lstStyle/>
+          <a:p>
+            <a:r>
+              <a:rPr lang="en-US" dirty="0"/>
+              <a:t>Thank you</a:t>
+            </a:r>
+            <a:br>
+              <a:rPr lang="en-US" dirty="0"/>
+            </a:br>
+            <a:r>
+              <a:rPr lang="en-US" dirty="0"/>
+              <a:t>for Listening</a:t>
+            </a:r>
+          </a:p>
+        </p:txBody>
+      </p:sp>
+      <p:sp>
+        <p:nvSpPr>
+          <p:cNvPr id="8" name="Content Placeholder 7">
+            <a:extLst>
+              <a:ext uri="{FF2B5EF4-FFF2-40B4-BE49-F238E27FC236}">
+                <a16:creationId xmlns:a16="http://schemas.microsoft.com/office/drawing/2014/main" id="{81414218-A70E-F2FB-2DDF-661567B73556}"/>
+              </a:ext>
+            </a:extLst>
+          </p:cNvPr>
+          <p:cNvSpPr>
+            <a:spLocks noGrp="1"/>
+          </p:cNvSpPr>
+          <p:nvPr>
+            <p:ph idx="1"/>
+          </p:nvPr>
+        </p:nvSpPr>
+        <p:spPr/>
+        <p:txBody>
+          <a:bodyPr>
+            <a:normAutofit/>
+          </a:bodyPr>
+          <a:lstStyle/>
+          <a:p>
+            <a:pPr algn="ctr"/>
+            <a:r>
+              <a:rPr lang="en-GB" sz="4400" dirty="0"/>
+              <a:t>Any</a:t>
+            </a:r>
+            <a:r>
+              <a:rPr lang="en-GB" sz="3600" dirty="0"/>
+              <a:t> </a:t>
+            </a:r>
+            <a:r>
+              <a:rPr lang="en-GB" sz="4400" dirty="0"/>
+              <a:t>questions?</a:t>
+            </a:r>
+            <a:endParaRPr lang="en-GB" sz="3600" dirty="0"/>
+          </a:p>
+        </p:txBody>
+      </p:sp>
+    </p:spTree>
+    <p:extLst>
+      <p:ext uri="{BB962C8B-B14F-4D97-AF65-F5344CB8AC3E}">
+        <p14:creationId xmlns:p14="http://schemas.microsoft.com/office/powerpoint/2010/main" val="962258905"/>
+      </p:ext>
+    </p:extLst>
+  </p:cSld>
+  <p:clrMapOvr>
+    <a:masterClrMapping/>
+  </p:clrMapOvr>
+</p:sld>
+</file>
+
 <file path=ppt/slides/slide2.xml><?xml version="1.0" encoding="utf-8"?>
+<p:sld xmlns:a="http://schemas.openxmlformats.org/drawingml/2006/main" xmlns:r="http://schemas.openxmlformats.org/officeDocument/2006/relationships" xmlns:p="http://schemas.openxmlformats.org/presentationml/2006/main">
+  <p:cSld>
+    <p:spTree>
+      <p:nvGrpSpPr>
+        <p:cNvPr id="1" name=""/>
+        <p:cNvGrpSpPr/>
+        <p:nvPr/>
+      </p:nvGrpSpPr>
+      <p:grpSpPr>
+        <a:xfrm>
+          <a:off x="0" y="0"/>
+          <a:ext cx="0" cy="0"/>
+          <a:chOff x="0" y="0"/>
+          <a:chExt cx="0" cy="0"/>
+        </a:xfrm>
+      </p:grpSpPr>
+      <p:sp>
+        <p:nvSpPr>
+          <p:cNvPr id="2" name="Title 1">
+            <a:extLst>
+              <a:ext uri="{FF2B5EF4-FFF2-40B4-BE49-F238E27FC236}">
+                <a16:creationId xmlns:a16="http://schemas.microsoft.com/office/drawing/2014/main" id="{1D46624E-1256-4074-A302-8EFDA23D77BF}"/>
+              </a:ext>
+            </a:extLst>
+          </p:cNvPr>
+          <p:cNvSpPr>
+            <a:spLocks noGrp="1"/>
+          </p:cNvSpPr>
+          <p:nvPr>
+            <p:ph type="title"/>
+          </p:nvPr>
+        </p:nvSpPr>
+        <p:spPr/>
+        <p:txBody>
+          <a:bodyPr/>
+          <a:lstStyle/>
+          <a:p>
+            <a:r>
+              <a:rPr lang="en-US" dirty="0"/>
+              <a:t>Timeline</a:t>
+            </a:r>
+          </a:p>
+        </p:txBody>
+      </p:sp>
+      <p:sp>
+        <p:nvSpPr>
+          <p:cNvPr id="4" name="Content Placeholder 3">
+            <a:extLst>
+              <a:ext uri="{FF2B5EF4-FFF2-40B4-BE49-F238E27FC236}">
+                <a16:creationId xmlns:a16="http://schemas.microsoft.com/office/drawing/2014/main" id="{A84DACD0-2773-4975-A2FE-3BD5764E1F61}"/>
+              </a:ext>
+            </a:extLst>
+          </p:cNvPr>
+          <p:cNvSpPr>
+            <a:spLocks noGrp="1"/>
+          </p:cNvSpPr>
+          <p:nvPr>
+            <p:ph sz="half" idx="2"/>
+          </p:nvPr>
+        </p:nvSpPr>
+        <p:spPr>
+          <a:xfrm>
+            <a:off x="836612" y="1690688"/>
+            <a:ext cx="5157787" cy="3684588"/>
+          </a:xfrm>
+        </p:spPr>
+        <p:txBody>
+          <a:bodyPr>
+            <a:normAutofit/>
+          </a:bodyPr>
+          <a:lstStyle/>
+          <a:p>
+            <a:r>
+              <a:rPr lang="en-US" sz="2800" dirty="0"/>
+              <a:t>Docker Basics</a:t>
+            </a:r>
+          </a:p>
+          <a:p>
+            <a:r>
+              <a:rPr lang="en-US" sz="2800" dirty="0"/>
+              <a:t>Docker Security</a:t>
+            </a:r>
+          </a:p>
+          <a:p>
+            <a:r>
+              <a:rPr lang="en-US" sz="2800" dirty="0" err="1"/>
+              <a:t>PiHole</a:t>
+            </a:r>
+            <a:r>
+              <a:rPr lang="en-US" sz="2800" dirty="0"/>
+              <a:t> implementation</a:t>
+            </a:r>
+          </a:p>
+        </p:txBody>
+      </p:sp>
+    </p:spTree>
+    <p:extLst>
+      <p:ext uri="{BB962C8B-B14F-4D97-AF65-F5344CB8AC3E}">
+        <p14:creationId xmlns:p14="http://schemas.microsoft.com/office/powerpoint/2010/main" val="2849745078"/>
+      </p:ext>
+    </p:extLst>
+  </p:cSld>
+  <p:clrMapOvr>
+    <a:masterClrMapping/>
+  </p:clrMapOvr>
+</p:sld>
+</file>
+
+<file path=ppt/slides/slide3.xml><?xml version="1.0" encoding="utf-8"?>
 <p:sld xmlns:a="http://schemas.openxmlformats.org/drawingml/2006/main" xmlns:r="http://schemas.openxmlformats.org/officeDocument/2006/relationships" xmlns:p="http://schemas.openxmlformats.org/presentationml/2006/main">
   <p:cSld>
     <p:bg>
@@ -12660,9 +13517,17 @@
 </p:sld>
 </file>
 
-<file path=ppt/slides/slide3.xml><?xml version="1.0" encoding="utf-8"?>
+<file path=ppt/slides/slide4.xml><?xml version="1.0" encoding="utf-8"?>
 <p:sld xmlns:a="http://schemas.openxmlformats.org/drawingml/2006/main" xmlns:r="http://schemas.openxmlformats.org/officeDocument/2006/relationships" xmlns:p="http://schemas.openxmlformats.org/presentationml/2006/main">
   <p:cSld>
+    <p:bg>
+      <p:bgPr>
+        <a:solidFill>
+          <a:schemeClr val="bg1"/>
+        </a:solidFill>
+        <a:effectLst/>
+      </p:bgPr>
+    </p:bg>
     <p:spTree>
       <p:nvGrpSpPr>
         <p:cNvPr id="1" name=""/>
@@ -12679,10 +13544,10 @@
       </p:grpSpPr>
       <p:sp>
         <p:nvSpPr>
-          <p:cNvPr id="2" name="Title 1">
-            <a:extLst>
-              <a:ext uri="{FF2B5EF4-FFF2-40B4-BE49-F238E27FC236}">
-                <a16:creationId xmlns:a16="http://schemas.microsoft.com/office/drawing/2014/main" id="{1D46624E-1256-4074-A302-8EFDA23D77BF}"/>
+          <p:cNvPr id="8" name="Title 7">
+            <a:extLst>
+              <a:ext uri="{FF2B5EF4-FFF2-40B4-BE49-F238E27FC236}">
+                <a16:creationId xmlns:a16="http://schemas.microsoft.com/office/drawing/2014/main" id="{4E808D1D-FE92-499E-982B-315DCF987C64}"/>
               </a:ext>
             </a:extLst>
           </p:cNvPr>
@@ -12699,138 +13564,312 @@
           <a:lstStyle/>
           <a:p>
             <a:r>
-              <a:rPr lang="en-US" dirty="0"/>
-              <a:t>Advantages</a:t>
-            </a:r>
-          </a:p>
-        </p:txBody>
-      </p:sp>
-      <p:sp>
-        <p:nvSpPr>
-          <p:cNvPr id="3" name="Text Placeholder 2">
-            <a:extLst>
-              <a:ext uri="{FF2B5EF4-FFF2-40B4-BE49-F238E27FC236}">
-                <a16:creationId xmlns:a16="http://schemas.microsoft.com/office/drawing/2014/main" id="{33E8A40A-0195-4B3A-81F2-8B76B68F974F}"/>
-              </a:ext>
-            </a:extLst>
-          </p:cNvPr>
-          <p:cNvSpPr>
-            <a:spLocks noGrp="1"/>
-          </p:cNvSpPr>
-          <p:nvPr>
-            <p:ph type="body" idx="1"/>
-          </p:nvPr>
-        </p:nvSpPr>
-        <p:spPr/>
-        <p:txBody>
-          <a:bodyPr/>
+              <a:rPr lang="en-GB" dirty="0">
+                <a:solidFill>
+                  <a:schemeClr val="bg1"/>
+                </a:solidFill>
+              </a:rPr>
+              <a:t>It works on my machine but not theirs!</a:t>
+            </a:r>
+            <a:endParaRPr lang="en-US" dirty="0">
+              <a:solidFill>
+                <a:schemeClr val="bg1"/>
+              </a:solidFill>
+            </a:endParaRPr>
+          </a:p>
+        </p:txBody>
+      </p:sp>
+      <p:sp>
+        <p:nvSpPr>
+          <p:cNvPr id="14" name="Arc 13">
+            <a:extLst>
+              <a:ext uri="{FF2B5EF4-FFF2-40B4-BE49-F238E27FC236}">
+                <a16:creationId xmlns:a16="http://schemas.microsoft.com/office/drawing/2014/main" id="{FE1CEAEF-A1EC-4CA7-BEC1-407418518AC8}"/>
+              </a:ext>
+              <a:ext uri="{C183D7F6-B498-43B3-948B-1728B52AA6E4}">
+                <adec:decorative xmlns:adec="http://schemas.microsoft.com/office/drawing/2017/decorative" val="1"/>
+              </a:ext>
+            </a:extLst>
+          </p:cNvPr>
+          <p:cNvSpPr/>
+          <p:nvPr/>
+        </p:nvSpPr>
+        <p:spPr>
+          <a:xfrm rot="9366740" flipV="1">
+            <a:off x="2607299" y="8363"/>
+            <a:ext cx="6816262" cy="6816262"/>
+          </a:xfrm>
+          <a:prstGeom prst="arc">
+            <a:avLst>
+              <a:gd name="adj1" fmla="val 16200000"/>
+              <a:gd name="adj2" fmla="val 20401595"/>
+            </a:avLst>
+          </a:prstGeom>
+          <a:ln w="127000" cap="rnd">
+            <a:solidFill>
+              <a:schemeClr val="accent4">
+                <a:alpha val="95000"/>
+              </a:schemeClr>
+            </a:solidFill>
+            <a:prstDash val="dash"/>
+          </a:ln>
+        </p:spPr>
+        <p:style>
+          <a:lnRef idx="1">
+            <a:schemeClr val="accent1"/>
+          </a:lnRef>
+          <a:fillRef idx="0">
+            <a:schemeClr val="accent1"/>
+          </a:fillRef>
+          <a:effectRef idx="0">
+            <a:schemeClr val="accent1"/>
+          </a:effectRef>
+          <a:fontRef idx="minor">
+            <a:schemeClr val="tx1"/>
+          </a:fontRef>
+        </p:style>
+        <p:txBody>
+          <a:bodyPr rtlCol="0" anchor="ctr"/>
           <a:lstStyle/>
           <a:p>
-            <a:r>
-              <a:rPr lang="en-US" dirty="0"/>
-              <a:t>Subtitle</a:t>
-            </a:r>
-          </a:p>
-        </p:txBody>
-      </p:sp>
-      <p:sp>
-        <p:nvSpPr>
-          <p:cNvPr id="4" name="Content Placeholder 3">
-            <a:extLst>
-              <a:ext uri="{FF2B5EF4-FFF2-40B4-BE49-F238E27FC236}">
-                <a16:creationId xmlns:a16="http://schemas.microsoft.com/office/drawing/2014/main" id="{A84DACD0-2773-4975-A2FE-3BD5764E1F61}"/>
-              </a:ext>
-            </a:extLst>
-          </p:cNvPr>
-          <p:cNvSpPr>
-            <a:spLocks noGrp="1"/>
-          </p:cNvSpPr>
-          <p:nvPr>
-            <p:ph sz="half" idx="2"/>
-          </p:nvPr>
-        </p:nvSpPr>
-        <p:spPr/>
-        <p:txBody>
-          <a:bodyPr/>
+            <a:pPr marL="0" marR="0" lvl="0" indent="0" algn="ctr" defTabSz="914400" rtl="0" eaLnBrk="1" fontAlgn="auto" latinLnBrk="0" hangingPunct="1">
+              <a:lnSpc>
+                <a:spcPct val="100000"/>
+              </a:lnSpc>
+              <a:spcBef>
+                <a:spcPts val="0"/>
+              </a:spcBef>
+              <a:spcAft>
+                <a:spcPts val="0"/>
+              </a:spcAft>
+              <a:buClrTx/>
+              <a:buSzTx/>
+              <a:buFontTx/>
+              <a:buNone/>
+              <a:tabLst/>
+              <a:defRPr/>
+            </a:pPr>
+            <a:endParaRPr kumimoji="0" lang="en-US" sz="1800" b="0" i="0" u="none" strike="noStrike" kern="1200" cap="none" spc="0" normalizeH="0" baseline="0" noProof="0" dirty="0">
+              <a:ln>
+                <a:noFill/>
+              </a:ln>
+              <a:solidFill>
+                <a:prstClr val="black"/>
+              </a:solidFill>
+              <a:effectLst/>
+              <a:uLnTx/>
+              <a:uFillTx/>
+              <a:latin typeface="Calibri" panose="020F0502020204030204"/>
+              <a:ea typeface="+mn-ea"/>
+              <a:cs typeface="+mn-cs"/>
+            </a:endParaRPr>
+          </a:p>
+        </p:txBody>
+      </p:sp>
+      <p:sp>
+        <p:nvSpPr>
+          <p:cNvPr id="16" name="Oval 15">
+            <a:extLst>
+              <a:ext uri="{FF2B5EF4-FFF2-40B4-BE49-F238E27FC236}">
+                <a16:creationId xmlns:a16="http://schemas.microsoft.com/office/drawing/2014/main" id="{2FD37EC2-A256-4365-B98A-9FC89FE7E260}"/>
+              </a:ext>
+              <a:ext uri="{C183D7F6-B498-43B3-948B-1728B52AA6E4}">
+                <adec:decorative xmlns:adec="http://schemas.microsoft.com/office/drawing/2017/decorative" val="1"/>
+              </a:ext>
+            </a:extLst>
+          </p:cNvPr>
+          <p:cNvSpPr/>
+          <p:nvPr/>
+        </p:nvSpPr>
+        <p:spPr>
+          <a:xfrm>
+            <a:off x="8153400" y="4609861"/>
+            <a:ext cx="873032" cy="849349"/>
+          </a:xfrm>
+          <a:prstGeom prst="ellipse">
+            <a:avLst/>
+          </a:prstGeom>
+          <a:solidFill>
+            <a:schemeClr val="accent2"/>
+          </a:solidFill>
+          <a:ln>
+            <a:noFill/>
+          </a:ln>
+        </p:spPr>
+        <p:style>
+          <a:lnRef idx="2">
+            <a:schemeClr val="accent1">
+              <a:shade val="50000"/>
+            </a:schemeClr>
+          </a:lnRef>
+          <a:fillRef idx="1">
+            <a:schemeClr val="accent1"/>
+          </a:fillRef>
+          <a:effectRef idx="0">
+            <a:schemeClr val="accent1"/>
+          </a:effectRef>
+          <a:fontRef idx="minor">
+            <a:schemeClr val="lt1"/>
+          </a:fontRef>
+        </p:style>
+        <p:txBody>
+          <a:bodyPr rtlCol="0" anchor="ctr"/>
           <a:lstStyle/>
           <a:p>
-            <a:r>
-              <a:rPr lang="en-US" dirty="0"/>
-              <a:t>Add text, images, art, and videos. </a:t>
-            </a:r>
-          </a:p>
-          <a:p>
-            <a:r>
-              <a:rPr lang="en-US" dirty="0"/>
-              <a:t>Add transitions, animations, and motion. </a:t>
-            </a:r>
-          </a:p>
-          <a:p>
-            <a:r>
-              <a:rPr lang="en-US" dirty="0"/>
-              <a:t>Save to OneDrive, to get to your presentations from your computer, tablet, or phone. </a:t>
-            </a:r>
-          </a:p>
-        </p:txBody>
-      </p:sp>
-      <p:sp>
-        <p:nvSpPr>
-          <p:cNvPr id="5" name="Text Placeholder 4">
-            <a:extLst>
-              <a:ext uri="{FF2B5EF4-FFF2-40B4-BE49-F238E27FC236}">
-                <a16:creationId xmlns:a16="http://schemas.microsoft.com/office/drawing/2014/main" id="{8FCFD254-68A8-4D88-9653-D6F0238D59BD}"/>
-              </a:ext>
-            </a:extLst>
-          </p:cNvPr>
-          <p:cNvSpPr>
-            <a:spLocks noGrp="1"/>
-          </p:cNvSpPr>
-          <p:nvPr>
-            <p:ph type="body" sz="quarter" idx="3"/>
-          </p:nvPr>
-        </p:nvSpPr>
-        <p:spPr/>
-        <p:txBody>
-          <a:bodyPr/>
+            <a:pPr marL="0" marR="0" lvl="0" indent="0" algn="ctr" defTabSz="914400" rtl="0" eaLnBrk="1" fontAlgn="auto" latinLnBrk="0" hangingPunct="1">
+              <a:lnSpc>
+                <a:spcPct val="100000"/>
+              </a:lnSpc>
+              <a:spcBef>
+                <a:spcPts val="0"/>
+              </a:spcBef>
+              <a:spcAft>
+                <a:spcPts val="0"/>
+              </a:spcAft>
+              <a:buClrTx/>
+              <a:buSzTx/>
+              <a:buFontTx/>
+              <a:buNone/>
+              <a:tabLst/>
+              <a:defRPr/>
+            </a:pPr>
+            <a:endParaRPr kumimoji="0" lang="en-US" sz="1800" b="0" i="0" u="none" strike="noStrike" kern="1200" cap="none" spc="0" normalizeH="0" baseline="0" noProof="0" dirty="0">
+              <a:ln>
+                <a:noFill/>
+              </a:ln>
+              <a:solidFill>
+                <a:prstClr val="white"/>
+              </a:solidFill>
+              <a:effectLst/>
+              <a:uLnTx/>
+              <a:uFillTx/>
+              <a:latin typeface="Calibri" panose="020F0502020204030204"/>
+              <a:ea typeface="+mn-ea"/>
+              <a:cs typeface="+mn-cs"/>
+            </a:endParaRPr>
+          </a:p>
+        </p:txBody>
+      </p:sp>
+      <p:sp>
+        <p:nvSpPr>
+          <p:cNvPr id="15" name="Oval 14">
+            <a:extLst>
+              <a:ext uri="{FF2B5EF4-FFF2-40B4-BE49-F238E27FC236}">
+                <a16:creationId xmlns:a16="http://schemas.microsoft.com/office/drawing/2014/main" id="{E7F74394-318F-3ABC-28CE-075BB5CFF5C8}"/>
+              </a:ext>
+            </a:extLst>
+          </p:cNvPr>
+          <p:cNvSpPr/>
+          <p:nvPr/>
+        </p:nvSpPr>
+        <p:spPr>
+          <a:xfrm>
+            <a:off x="168294" y="2950763"/>
+            <a:ext cx="3820285" cy="3820285"/>
+          </a:xfrm>
+          <a:prstGeom prst="ellipse">
+            <a:avLst/>
+          </a:prstGeom>
+          <a:solidFill>
+            <a:schemeClr val="accent2"/>
+          </a:solidFill>
+          <a:ln>
+            <a:solidFill>
+              <a:schemeClr val="accent2"/>
+            </a:solidFill>
+          </a:ln>
+        </p:spPr>
+        <p:style>
+          <a:lnRef idx="2">
+            <a:schemeClr val="accent1">
+              <a:shade val="50000"/>
+            </a:schemeClr>
+          </a:lnRef>
+          <a:fillRef idx="1">
+            <a:schemeClr val="accent1"/>
+          </a:fillRef>
+          <a:effectRef idx="0">
+            <a:schemeClr val="accent1"/>
+          </a:effectRef>
+          <a:fontRef idx="minor">
+            <a:schemeClr val="lt1"/>
+          </a:fontRef>
+        </p:style>
+        <p:txBody>
+          <a:bodyPr rtlCol="0" anchor="ctr"/>
           <a:lstStyle/>
           <a:p>
-            <a:r>
-              <a:rPr lang="en-US" dirty="0"/>
-              <a:t>Subtitle</a:t>
-            </a:r>
-          </a:p>
-        </p:txBody>
-      </p:sp>
-      <p:sp>
-        <p:nvSpPr>
-          <p:cNvPr id="6" name="Content Placeholder 5">
-            <a:extLst>
-              <a:ext uri="{FF2B5EF4-FFF2-40B4-BE49-F238E27FC236}">
-                <a16:creationId xmlns:a16="http://schemas.microsoft.com/office/drawing/2014/main" id="{3905CD03-9B40-4AA4-B6AB-5B38436AB901}"/>
-              </a:ext>
-            </a:extLst>
-          </p:cNvPr>
-          <p:cNvSpPr>
-            <a:spLocks noGrp="1"/>
-          </p:cNvSpPr>
-          <p:nvPr>
-            <p:ph sz="quarter" idx="4"/>
-          </p:nvPr>
-        </p:nvSpPr>
-        <p:spPr/>
-        <p:txBody>
-          <a:bodyPr/>
+            <a:pPr algn="ctr"/>
+            <a:r>
+              <a:rPr lang="en-GB" sz="3200" dirty="0">
+                <a:solidFill>
+                  <a:schemeClr val="bg1"/>
+                </a:solidFill>
+                <a:latin typeface="Tw Cen MT (Headings)"/>
+              </a:rPr>
+              <a:t>How to reduce IT costs</a:t>
+            </a:r>
+          </a:p>
+        </p:txBody>
+      </p:sp>
+      <p:sp>
+        <p:nvSpPr>
+          <p:cNvPr id="17" name="Oval 16">
+            <a:extLst>
+              <a:ext uri="{FF2B5EF4-FFF2-40B4-BE49-F238E27FC236}">
+                <a16:creationId xmlns:a16="http://schemas.microsoft.com/office/drawing/2014/main" id="{D0779152-2C62-DEEB-39E2-2F3E7F9A6C60}"/>
+              </a:ext>
+            </a:extLst>
+          </p:cNvPr>
+          <p:cNvSpPr/>
+          <p:nvPr/>
+        </p:nvSpPr>
+        <p:spPr>
+          <a:xfrm>
+            <a:off x="8713914" y="3332521"/>
+            <a:ext cx="3478086" cy="3478086"/>
+          </a:xfrm>
+          <a:prstGeom prst="ellipse">
+            <a:avLst/>
+          </a:prstGeom>
+          <a:solidFill>
+            <a:schemeClr val="accent2"/>
+          </a:solidFill>
+          <a:ln>
+            <a:solidFill>
+              <a:schemeClr val="accent2"/>
+            </a:solidFill>
+          </a:ln>
+        </p:spPr>
+        <p:style>
+          <a:lnRef idx="2">
+            <a:schemeClr val="accent1">
+              <a:shade val="50000"/>
+            </a:schemeClr>
+          </a:lnRef>
+          <a:fillRef idx="1">
+            <a:schemeClr val="accent1"/>
+          </a:fillRef>
+          <a:effectRef idx="0">
+            <a:schemeClr val="accent1"/>
+          </a:effectRef>
+          <a:fontRef idx="minor">
+            <a:schemeClr val="lt1"/>
+          </a:fontRef>
+        </p:style>
+        <p:txBody>
+          <a:bodyPr rtlCol="0" anchor="ctr"/>
           <a:lstStyle/>
           <a:p>
-            <a:r>
-              <a:rPr lang="en-US" sz="2400" dirty="0"/>
-              <a:t>Open the Design Ideas pane for instant slide makeovers. </a:t>
-            </a:r>
-          </a:p>
-          <a:p>
-            <a:r>
-              <a:rPr lang="en-US" sz="2400" dirty="0"/>
-              <a:t>When we have design ideas, we’ll show them to you right there. </a:t>
+            <a:pPr algn="ctr"/>
+            <a:r>
+              <a:rPr lang="en-GB" sz="3200" dirty="0">
+                <a:solidFill>
+                  <a:schemeClr val="bg1"/>
+                </a:solidFill>
+                <a:latin typeface="Tw Cen MT (Headings)"/>
+              </a:rPr>
+              <a:t>How to manage Dependencies</a:t>
             </a:r>
           </a:p>
         </p:txBody>
@@ -12838,95 +13877,7 @@
     </p:spTree>
     <p:extLst>
       <p:ext uri="{BB962C8B-B14F-4D97-AF65-F5344CB8AC3E}">
-        <p14:creationId xmlns:p14="http://schemas.microsoft.com/office/powerpoint/2010/main" val="2144460316"/>
-      </p:ext>
-    </p:extLst>
-  </p:cSld>
-  <p:clrMapOvr>
-    <a:masterClrMapping/>
-  </p:clrMapOvr>
-</p:sld>
-</file>
-
-<file path=ppt/slides/slide4.xml><?xml version="1.0" encoding="utf-8"?>
-<p:sld xmlns:a="http://schemas.openxmlformats.org/drawingml/2006/main" xmlns:r="http://schemas.openxmlformats.org/officeDocument/2006/relationships" xmlns:p="http://schemas.openxmlformats.org/presentationml/2006/main">
-  <p:cSld>
-    <p:spTree>
-      <p:nvGrpSpPr>
-        <p:cNvPr id="1" name=""/>
-        <p:cNvGrpSpPr/>
-        <p:nvPr/>
-      </p:nvGrpSpPr>
-      <p:grpSpPr>
-        <a:xfrm>
-          <a:off x="0" y="0"/>
-          <a:ext cx="0" cy="0"/>
-          <a:chOff x="0" y="0"/>
-          <a:chExt cx="0" cy="0"/>
-        </a:xfrm>
-      </p:grpSpPr>
-      <p:sp>
-        <p:nvSpPr>
-          <p:cNvPr id="2" name="Title 1">
-            <a:extLst>
-              <a:ext uri="{FF2B5EF4-FFF2-40B4-BE49-F238E27FC236}">
-                <a16:creationId xmlns:a16="http://schemas.microsoft.com/office/drawing/2014/main" id="{1D46624E-1256-4074-A302-8EFDA23D77BF}"/>
-              </a:ext>
-            </a:extLst>
-          </p:cNvPr>
-          <p:cNvSpPr>
-            <a:spLocks noGrp="1"/>
-          </p:cNvSpPr>
-          <p:nvPr>
-            <p:ph type="title"/>
-          </p:nvPr>
-        </p:nvSpPr>
-        <p:spPr/>
-        <p:txBody>
-          <a:bodyPr/>
-          <a:lstStyle/>
-          <a:p>
-            <a:r>
-              <a:rPr lang="en-US" dirty="0"/>
-              <a:t>Docker vs Virtual Machines (Already seen)</a:t>
-            </a:r>
-          </a:p>
-        </p:txBody>
-      </p:sp>
-      <p:pic>
-        <p:nvPicPr>
-          <p:cNvPr id="8" name="Picture 7">
-            <a:extLst>
-              <a:ext uri="{FF2B5EF4-FFF2-40B4-BE49-F238E27FC236}">
-                <a16:creationId xmlns:a16="http://schemas.microsoft.com/office/drawing/2014/main" id="{3CE540E4-BBF8-4079-0250-BCA6B6BB4AB7}"/>
-              </a:ext>
-            </a:extLst>
-          </p:cNvPr>
-          <p:cNvPicPr>
-            <a:picLocks noChangeAspect="1"/>
-          </p:cNvPicPr>
-          <p:nvPr/>
-        </p:nvPicPr>
-        <p:blipFill>
-          <a:blip r:embed="rId3"/>
-          <a:stretch>
-            <a:fillRect/>
-          </a:stretch>
-        </p:blipFill>
-        <p:spPr>
-          <a:xfrm>
-            <a:off x="1112053" y="1260258"/>
-            <a:ext cx="9967894" cy="5458058"/>
-          </a:xfrm>
-          <a:prstGeom prst="rect">
-            <a:avLst/>
-          </a:prstGeom>
-        </p:spPr>
-      </p:pic>
-    </p:spTree>
-    <p:extLst>
-      <p:ext uri="{BB962C8B-B14F-4D97-AF65-F5344CB8AC3E}">
-        <p14:creationId xmlns:p14="http://schemas.microsoft.com/office/powerpoint/2010/main" val="677731472"/>
+        <p14:creationId xmlns:p14="http://schemas.microsoft.com/office/powerpoint/2010/main" val="510655023"/>
       </p:ext>
     </p:extLst>
   </p:cSld>
@@ -12976,145 +13927,45 @@
           <a:p>
             <a:r>
               <a:rPr lang="en-US" dirty="0"/>
-              <a:t>Security</a:t>
-            </a:r>
-          </a:p>
-        </p:txBody>
-      </p:sp>
-      <p:sp>
-        <p:nvSpPr>
-          <p:cNvPr id="3" name="Text Placeholder 2">
-            <a:extLst>
-              <a:ext uri="{FF2B5EF4-FFF2-40B4-BE49-F238E27FC236}">
-                <a16:creationId xmlns:a16="http://schemas.microsoft.com/office/drawing/2014/main" id="{33E8A40A-0195-4B3A-81F2-8B76B68F974F}"/>
-              </a:ext>
-            </a:extLst>
-          </p:cNvPr>
-          <p:cNvSpPr>
-            <a:spLocks noGrp="1"/>
-          </p:cNvSpPr>
-          <p:nvPr>
-            <p:ph type="body" idx="1"/>
-          </p:nvPr>
-        </p:nvSpPr>
-        <p:spPr/>
-        <p:txBody>
-          <a:bodyPr/>
-          <a:lstStyle/>
-          <a:p>
-            <a:r>
-              <a:rPr lang="en-US" dirty="0"/>
-              <a:t>Subtitle</a:t>
-            </a:r>
-          </a:p>
-        </p:txBody>
-      </p:sp>
-      <p:sp>
-        <p:nvSpPr>
-          <p:cNvPr id="4" name="Content Placeholder 3">
-            <a:extLst>
-              <a:ext uri="{FF2B5EF4-FFF2-40B4-BE49-F238E27FC236}">
-                <a16:creationId xmlns:a16="http://schemas.microsoft.com/office/drawing/2014/main" id="{A84DACD0-2773-4975-A2FE-3BD5764E1F61}"/>
-              </a:ext>
-            </a:extLst>
-          </p:cNvPr>
-          <p:cNvSpPr>
-            <a:spLocks noGrp="1"/>
-          </p:cNvSpPr>
-          <p:nvPr>
-            <p:ph sz="half" idx="2"/>
-          </p:nvPr>
-        </p:nvSpPr>
-        <p:spPr/>
-        <p:txBody>
-          <a:bodyPr/>
-          <a:lstStyle/>
-          <a:p>
-            <a:r>
-              <a:rPr lang="en-US" dirty="0"/>
-              <a:t>Add text, images, art, and videos. </a:t>
-            </a:r>
-          </a:p>
-          <a:p>
-            <a:r>
-              <a:rPr lang="en-US" dirty="0"/>
-              <a:t>Add transitions, animations, and motion. </a:t>
-            </a:r>
-          </a:p>
-          <a:p>
-            <a:r>
-              <a:rPr lang="en-US" dirty="0"/>
-              <a:t>Save to OneDrive, to get to your presentations from your computer, tablet, or phone. </a:t>
-            </a:r>
-          </a:p>
-        </p:txBody>
-      </p:sp>
-      <p:sp>
-        <p:nvSpPr>
-          <p:cNvPr id="5" name="Text Placeholder 4">
-            <a:extLst>
-              <a:ext uri="{FF2B5EF4-FFF2-40B4-BE49-F238E27FC236}">
-                <a16:creationId xmlns:a16="http://schemas.microsoft.com/office/drawing/2014/main" id="{8FCFD254-68A8-4D88-9653-D6F0238D59BD}"/>
-              </a:ext>
-            </a:extLst>
-          </p:cNvPr>
-          <p:cNvSpPr>
-            <a:spLocks noGrp="1"/>
-          </p:cNvSpPr>
-          <p:nvPr>
-            <p:ph type="body" sz="quarter" idx="3"/>
-          </p:nvPr>
-        </p:nvSpPr>
-        <p:spPr/>
-        <p:txBody>
-          <a:bodyPr/>
-          <a:lstStyle/>
-          <a:p>
-            <a:r>
-              <a:rPr lang="en-US" dirty="0"/>
-              <a:t>Subtitle</a:t>
-            </a:r>
-          </a:p>
-        </p:txBody>
-      </p:sp>
-      <p:sp>
-        <p:nvSpPr>
-          <p:cNvPr id="6" name="Content Placeholder 5">
-            <a:extLst>
-              <a:ext uri="{FF2B5EF4-FFF2-40B4-BE49-F238E27FC236}">
-                <a16:creationId xmlns:a16="http://schemas.microsoft.com/office/drawing/2014/main" id="{3905CD03-9B40-4AA4-B6AB-5B38436AB901}"/>
-              </a:ext>
-            </a:extLst>
-          </p:cNvPr>
-          <p:cNvSpPr>
-            <a:spLocks noGrp="1"/>
-          </p:cNvSpPr>
-          <p:nvPr>
-            <p:ph sz="quarter" idx="4"/>
-          </p:nvPr>
-        </p:nvSpPr>
-        <p:spPr/>
-        <p:txBody>
-          <a:bodyPr/>
-          <a:lstStyle/>
-          <a:p>
-            <a:r>
-              <a:rPr lang="en-US" sz="2400" dirty="0"/>
-              <a:t>Open the Design Ideas pane for instant slide makeovers. </a:t>
-            </a:r>
-          </a:p>
-          <a:p>
-            <a:r>
-              <a:rPr lang="en-US" sz="2400" dirty="0"/>
-              <a:t>When we have design ideas, we’ll show them to you right there. </a:t>
-            </a:r>
-          </a:p>
-        </p:txBody>
-      </p:sp>
+              <a:t>OS, Virtual Machines and Docker</a:t>
+            </a:r>
+          </a:p>
+        </p:txBody>
+      </p:sp>
+      <p:pic>
+        <p:nvPicPr>
+          <p:cNvPr id="6" name="Picture 5">
+            <a:extLst>
+              <a:ext uri="{FF2B5EF4-FFF2-40B4-BE49-F238E27FC236}">
+                <a16:creationId xmlns:a16="http://schemas.microsoft.com/office/drawing/2014/main" id="{E20AD2F5-B1AA-CEB0-5A86-1875E8CB9080}"/>
+              </a:ext>
+            </a:extLst>
+          </p:cNvPr>
+          <p:cNvPicPr>
+            <a:picLocks noChangeAspect="1"/>
+          </p:cNvPicPr>
+          <p:nvPr/>
+        </p:nvPicPr>
+        <p:blipFill>
+          <a:blip r:embed="rId3"/>
+          <a:stretch>
+            <a:fillRect/>
+          </a:stretch>
+        </p:blipFill>
+        <p:spPr>
+          <a:xfrm>
+            <a:off x="261812" y="1690688"/>
+            <a:ext cx="11668376" cy="4511694"/>
+          </a:xfrm>
+          <a:prstGeom prst="rect">
+            <a:avLst/>
+          </a:prstGeom>
+        </p:spPr>
+      </p:pic>
     </p:spTree>
     <p:extLst>
       <p:ext uri="{BB962C8B-B14F-4D97-AF65-F5344CB8AC3E}">
-        <p14:creationId xmlns:p14="http://schemas.microsoft.com/office/powerpoint/2010/main" val="1813910725"/>
+        <p14:creationId xmlns:p14="http://schemas.microsoft.com/office/powerpoint/2010/main" val="677731472"/>
       </p:ext>
     </p:extLst>
   </p:cSld>
@@ -13164,7 +14015,7 @@
           <a:p>
             <a:r>
               <a:rPr lang="en-US" dirty="0"/>
-              <a:t>Content</a:t>
+              <a:t>Docker Containers</a:t>
             </a:r>
           </a:p>
         </p:txBody>
@@ -13192,7 +14043,7 @@
           <a:p>
             <a:r>
               <a:rPr lang="en-US" dirty="0"/>
-              <a:t>Subtitle</a:t>
+              <a:t>Pros</a:t>
             </a:r>
           </a:p>
         </p:txBody>
@@ -13220,19 +14071,25 @@
           <a:p>
             <a:r>
               <a:rPr lang="en-US" dirty="0"/>
-              <a:t>Add text, images, art, and videos. </a:t>
+              <a:t>Lightweight</a:t>
             </a:r>
           </a:p>
           <a:p>
             <a:r>
               <a:rPr lang="en-US" dirty="0"/>
-              <a:t>Add transitions, animations, and motion. </a:t>
+              <a:t>Highly Portable</a:t>
             </a:r>
           </a:p>
           <a:p>
             <a:r>
               <a:rPr lang="en-US" dirty="0"/>
-              <a:t>Save to OneDrive, to get to your presentations from your computer, tablet, or phone. </a:t>
+              <a:t>Efficient</a:t>
+            </a:r>
+          </a:p>
+          <a:p>
+            <a:r>
+              <a:rPr lang="en-US" dirty="0"/>
+              <a:t>Quick Bootup</a:t>
             </a:r>
           </a:p>
         </p:txBody>
@@ -13260,7 +14117,7 @@
           <a:p>
             <a:r>
               <a:rPr lang="en-US" dirty="0"/>
-              <a:t>Subtitle</a:t>
+              <a:t>Cons</a:t>
             </a:r>
           </a:p>
         </p:txBody>
@@ -13288,21 +14145,29 @@
           <a:p>
             <a:r>
               <a:rPr lang="en-US" sz="2400" dirty="0"/>
-              <a:t>Open the Design Ideas pane for instant slide makeovers. </a:t>
+              <a:t>Docker Pricing</a:t>
             </a:r>
           </a:p>
           <a:p>
             <a:r>
               <a:rPr lang="en-US" sz="2400" dirty="0"/>
-              <a:t>When we have design ideas, we’ll show them to you right there. </a:t>
-            </a:r>
+              <a:t>Slight Overhead</a:t>
+            </a:r>
+            <a:endParaRPr lang="en-US" dirty="0"/>
+          </a:p>
+          <a:p>
+            <a:r>
+              <a:rPr lang="en-US" dirty="0"/>
+              <a:t>Persistent Storage</a:t>
+            </a:r>
+            <a:endParaRPr lang="en-US" sz="2400" dirty="0"/>
           </a:p>
         </p:txBody>
       </p:sp>
     </p:spTree>
     <p:extLst>
       <p:ext uri="{BB962C8B-B14F-4D97-AF65-F5344CB8AC3E}">
-        <p14:creationId xmlns:p14="http://schemas.microsoft.com/office/powerpoint/2010/main" val="2908756804"/>
+        <p14:creationId xmlns:p14="http://schemas.microsoft.com/office/powerpoint/2010/main" val="2144460316"/>
       </p:ext>
     </p:extLst>
   </p:cSld>
@@ -13334,7 +14199,7 @@
           <p:cNvPr id="2" name="Title 1">
             <a:extLst>
               <a:ext uri="{FF2B5EF4-FFF2-40B4-BE49-F238E27FC236}">
-                <a16:creationId xmlns:a16="http://schemas.microsoft.com/office/drawing/2014/main" id="{1D46624E-1256-4074-A302-8EFDA23D77BF}"/>
+                <a16:creationId xmlns:a16="http://schemas.microsoft.com/office/drawing/2014/main" id="{442BEFA9-8B69-BD8B-9427-2071A2F18B1B}"/>
               </a:ext>
             </a:extLst>
           </p:cNvPr>
@@ -13351,151 +14216,46 @@
           <a:lstStyle/>
           <a:p>
             <a:r>
-              <a:rPr lang="en-US" dirty="0"/>
-              <a:t>Project: </a:t>
-            </a:r>
-            <a:r>
-              <a:rPr lang="en-US" dirty="0" err="1"/>
-              <a:t>PiHole</a:t>
-            </a:r>
-            <a:endParaRPr lang="en-US" dirty="0"/>
-          </a:p>
-        </p:txBody>
-      </p:sp>
-      <p:sp>
-        <p:nvSpPr>
-          <p:cNvPr id="3" name="Text Placeholder 2">
-            <a:extLst>
-              <a:ext uri="{FF2B5EF4-FFF2-40B4-BE49-F238E27FC236}">
-                <a16:creationId xmlns:a16="http://schemas.microsoft.com/office/drawing/2014/main" id="{33E8A40A-0195-4B3A-81F2-8B76B68F974F}"/>
-              </a:ext>
-            </a:extLst>
-          </p:cNvPr>
-          <p:cNvSpPr>
-            <a:spLocks noGrp="1"/>
-          </p:cNvSpPr>
-          <p:nvPr>
-            <p:ph type="body" idx="1"/>
-          </p:nvPr>
-        </p:nvSpPr>
-        <p:spPr/>
-        <p:txBody>
-          <a:bodyPr/>
-          <a:lstStyle/>
-          <a:p>
-            <a:r>
-              <a:rPr lang="en-US" dirty="0"/>
-              <a:t>Subtitle</a:t>
-            </a:r>
-          </a:p>
-        </p:txBody>
-      </p:sp>
-      <p:sp>
-        <p:nvSpPr>
-          <p:cNvPr id="4" name="Content Placeholder 3">
-            <a:extLst>
-              <a:ext uri="{FF2B5EF4-FFF2-40B4-BE49-F238E27FC236}">
-                <a16:creationId xmlns:a16="http://schemas.microsoft.com/office/drawing/2014/main" id="{A84DACD0-2773-4975-A2FE-3BD5764E1F61}"/>
-              </a:ext>
-            </a:extLst>
-          </p:cNvPr>
-          <p:cNvSpPr>
-            <a:spLocks noGrp="1"/>
-          </p:cNvSpPr>
-          <p:nvPr>
-            <p:ph sz="half" idx="2"/>
-          </p:nvPr>
-        </p:nvSpPr>
-        <p:spPr/>
-        <p:txBody>
-          <a:bodyPr/>
-          <a:lstStyle/>
-          <a:p>
-            <a:r>
-              <a:rPr lang="en-US" dirty="0"/>
-              <a:t>Add text, images, art, and videos. </a:t>
-            </a:r>
-          </a:p>
-          <a:p>
-            <a:r>
-              <a:rPr lang="en-US" dirty="0"/>
-              <a:t>Add transitions, animations, and motion. </a:t>
-            </a:r>
-          </a:p>
-          <a:p>
-            <a:r>
-              <a:rPr lang="en-US" dirty="0"/>
-              <a:t>Save to OneDrive, to get to your presentations from your computer, tablet, or phone. </a:t>
-            </a:r>
-          </a:p>
-        </p:txBody>
-      </p:sp>
-      <p:sp>
-        <p:nvSpPr>
-          <p:cNvPr id="5" name="Text Placeholder 4">
-            <a:extLst>
-              <a:ext uri="{FF2B5EF4-FFF2-40B4-BE49-F238E27FC236}">
-                <a16:creationId xmlns:a16="http://schemas.microsoft.com/office/drawing/2014/main" id="{8FCFD254-68A8-4D88-9653-D6F0238D59BD}"/>
-              </a:ext>
-            </a:extLst>
-          </p:cNvPr>
-          <p:cNvSpPr>
-            <a:spLocks noGrp="1"/>
-          </p:cNvSpPr>
-          <p:nvPr>
-            <p:ph type="body" sz="quarter" idx="3"/>
-          </p:nvPr>
-        </p:nvSpPr>
-        <p:spPr/>
-        <p:txBody>
-          <a:bodyPr/>
-          <a:lstStyle/>
-          <a:p>
-            <a:r>
-              <a:rPr lang="en-US" dirty="0"/>
-              <a:t>Subtitle</a:t>
-            </a:r>
-          </a:p>
-        </p:txBody>
-      </p:sp>
-      <p:sp>
-        <p:nvSpPr>
-          <p:cNvPr id="6" name="Content Placeholder 5">
-            <a:extLst>
-              <a:ext uri="{FF2B5EF4-FFF2-40B4-BE49-F238E27FC236}">
-                <a16:creationId xmlns:a16="http://schemas.microsoft.com/office/drawing/2014/main" id="{3905CD03-9B40-4AA4-B6AB-5B38436AB901}"/>
-              </a:ext>
-            </a:extLst>
-          </p:cNvPr>
-          <p:cNvSpPr>
-            <a:spLocks noGrp="1"/>
-          </p:cNvSpPr>
-          <p:nvPr>
-            <p:ph sz="quarter" idx="4"/>
-          </p:nvPr>
-        </p:nvSpPr>
-        <p:spPr/>
-        <p:txBody>
-          <a:bodyPr/>
-          <a:lstStyle/>
-          <a:p>
-            <a:r>
-              <a:rPr lang="en-US" sz="2400" dirty="0"/>
-              <a:t>Open the Design Ideas pane for instant slide makeovers. </a:t>
-            </a:r>
-          </a:p>
-          <a:p>
-            <a:r>
-              <a:rPr lang="en-US" sz="2400" dirty="0"/>
-              <a:t>When we have design ideas, we’ll show them to you right there. </a:t>
-            </a:r>
-          </a:p>
-        </p:txBody>
-      </p:sp>
+              <a:rPr lang="en-GB" dirty="0"/>
+              <a:t>Pricing:</a:t>
+            </a:r>
+          </a:p>
+        </p:txBody>
+      </p:sp>
+      <p:pic>
+        <p:nvPicPr>
+          <p:cNvPr id="13" name="Picture 12">
+            <a:extLst>
+              <a:ext uri="{FF2B5EF4-FFF2-40B4-BE49-F238E27FC236}">
+                <a16:creationId xmlns:a16="http://schemas.microsoft.com/office/drawing/2014/main" id="{C8329CD3-788C-0597-3E3D-9F1EB7E71963}"/>
+              </a:ext>
+            </a:extLst>
+          </p:cNvPr>
+          <p:cNvPicPr>
+            <a:picLocks noChangeAspect="1"/>
+          </p:cNvPicPr>
+          <p:nvPr/>
+        </p:nvPicPr>
+        <p:blipFill>
+          <a:blip r:embed="rId3"/>
+          <a:stretch>
+            <a:fillRect/>
+          </a:stretch>
+        </p:blipFill>
+        <p:spPr>
+          <a:xfrm>
+            <a:off x="3043030" y="843220"/>
+            <a:ext cx="6105939" cy="5171560"/>
+          </a:xfrm>
+          <a:prstGeom prst="rect">
+            <a:avLst/>
+          </a:prstGeom>
+        </p:spPr>
+      </p:pic>
     </p:spTree>
     <p:extLst>
       <p:ext uri="{BB962C8B-B14F-4D97-AF65-F5344CB8AC3E}">
-        <p14:creationId xmlns:p14="http://schemas.microsoft.com/office/powerpoint/2010/main" val="2288269425"/>
+        <p14:creationId xmlns:p14="http://schemas.microsoft.com/office/powerpoint/2010/main" val="677715278"/>
       </p:ext>
     </p:extLst>
   </p:cSld>
@@ -13527,7 +14287,7 @@
           <p:cNvPr id="2" name="Title 1">
             <a:extLst>
               <a:ext uri="{FF2B5EF4-FFF2-40B4-BE49-F238E27FC236}">
-                <a16:creationId xmlns:a16="http://schemas.microsoft.com/office/drawing/2014/main" id="{659706C9-F26D-46CA-93BF-8C27012F6B12}"/>
+                <a16:creationId xmlns:a16="http://schemas.microsoft.com/office/drawing/2014/main" id="{1D46624E-1256-4074-A302-8EFDA23D77BF}"/>
               </a:ext>
             </a:extLst>
           </p:cNvPr>
@@ -13545,24 +14305,77 @@
           <a:p>
             <a:r>
               <a:rPr lang="en-US" dirty="0"/>
-              <a:t>Thank you</a:t>
-            </a:r>
-            <a:br>
-              <a:rPr lang="en-US" dirty="0"/>
-            </a:br>
-            <a:r>
-              <a:rPr lang="en-US" dirty="0"/>
-              <a:t>for Listening</a:t>
-            </a:r>
-          </a:p>
-        </p:txBody>
-      </p:sp>
-      <p:sp>
-        <p:nvSpPr>
-          <p:cNvPr id="8" name="Content Placeholder 7">
-            <a:extLst>
-              <a:ext uri="{FF2B5EF4-FFF2-40B4-BE49-F238E27FC236}">
-                <a16:creationId xmlns:a16="http://schemas.microsoft.com/office/drawing/2014/main" id="{81414218-A70E-F2FB-2DDF-661567B73556}"/>
+              <a:t>Security, Docker Vulnerabilities</a:t>
+            </a:r>
+          </a:p>
+        </p:txBody>
+      </p:sp>
+      <p:pic>
+        <p:nvPicPr>
+          <p:cNvPr id="26" name="Picture 25">
+            <a:extLst>
+              <a:ext uri="{FF2B5EF4-FFF2-40B4-BE49-F238E27FC236}">
+                <a16:creationId xmlns:a16="http://schemas.microsoft.com/office/drawing/2014/main" id="{88322CC9-3CAA-7717-2986-1AE51FB0F692}"/>
+              </a:ext>
+            </a:extLst>
+          </p:cNvPr>
+          <p:cNvPicPr>
+            <a:picLocks noChangeAspect="1"/>
+          </p:cNvPicPr>
+          <p:nvPr/>
+        </p:nvPicPr>
+        <p:blipFill>
+          <a:blip r:embed="rId3"/>
+          <a:stretch>
+            <a:fillRect/>
+          </a:stretch>
+        </p:blipFill>
+        <p:spPr>
+          <a:xfrm>
+            <a:off x="654478" y="1553286"/>
+            <a:ext cx="10883043" cy="3751427"/>
+          </a:xfrm>
+          <a:prstGeom prst="rect">
+            <a:avLst/>
+          </a:prstGeom>
+        </p:spPr>
+      </p:pic>
+    </p:spTree>
+    <p:extLst>
+      <p:ext uri="{BB962C8B-B14F-4D97-AF65-F5344CB8AC3E}">
+        <p14:creationId xmlns:p14="http://schemas.microsoft.com/office/powerpoint/2010/main" val="1813910725"/>
+      </p:ext>
+    </p:extLst>
+  </p:cSld>
+  <p:clrMapOvr>
+    <a:masterClrMapping/>
+  </p:clrMapOvr>
+</p:sld>
+</file>
+
+<file path=ppt/slides/slide9.xml><?xml version="1.0" encoding="utf-8"?>
+<p:sld xmlns:a="http://schemas.openxmlformats.org/drawingml/2006/main" xmlns:r="http://schemas.openxmlformats.org/officeDocument/2006/relationships" xmlns:p="http://schemas.openxmlformats.org/presentationml/2006/main">
+  <p:cSld>
+    <p:spTree>
+      <p:nvGrpSpPr>
+        <p:cNvPr id="1" name=""/>
+        <p:cNvGrpSpPr/>
+        <p:nvPr/>
+      </p:nvGrpSpPr>
+      <p:grpSpPr>
+        <a:xfrm>
+          <a:off x="0" y="0"/>
+          <a:ext cx="0" cy="0"/>
+          <a:chOff x="0" y="0"/>
+          <a:chExt cx="0" cy="0"/>
+        </a:xfrm>
+      </p:grpSpPr>
+      <p:sp>
+        <p:nvSpPr>
+          <p:cNvPr id="2" name="Title 1">
+            <a:extLst>
+              <a:ext uri="{FF2B5EF4-FFF2-40B4-BE49-F238E27FC236}">
+                <a16:creationId xmlns:a16="http://schemas.microsoft.com/office/drawing/2014/main" id="{1D46624E-1256-4074-A302-8EFDA23D77BF}"/>
               </a:ext>
             </a:extLst>
           </p:cNvPr>
@@ -13570,37 +14383,155 @@
             <a:spLocks noGrp="1"/>
           </p:cNvSpPr>
           <p:nvPr>
-            <p:ph idx="1"/>
+            <p:ph type="title"/>
           </p:nvPr>
         </p:nvSpPr>
         <p:spPr/>
         <p:txBody>
-          <a:bodyPr>
-            <a:normAutofit/>
-          </a:bodyPr>
+          <a:bodyPr/>
           <a:lstStyle/>
           <a:p>
-            <a:pPr algn="ctr"/>
-            <a:r>
-              <a:rPr lang="en-GB" sz="4400" dirty="0"/>
-              <a:t>Any</a:t>
-            </a:r>
-            <a:r>
-              <a:rPr lang="en-GB" sz="3600" dirty="0"/>
-              <a:t> </a:t>
-            </a:r>
-            <a:r>
-              <a:rPr lang="en-GB" sz="4400" dirty="0"/>
-              <a:t>questions?</a:t>
-            </a:r>
-            <a:endParaRPr lang="en-GB" sz="3600" dirty="0"/>
+            <a:r>
+              <a:rPr lang="en-US" dirty="0"/>
+              <a:t>Security</a:t>
+            </a:r>
+          </a:p>
+        </p:txBody>
+      </p:sp>
+      <p:sp>
+        <p:nvSpPr>
+          <p:cNvPr id="3" name="Text Placeholder 2">
+            <a:extLst>
+              <a:ext uri="{FF2B5EF4-FFF2-40B4-BE49-F238E27FC236}">
+                <a16:creationId xmlns:a16="http://schemas.microsoft.com/office/drawing/2014/main" id="{33E8A40A-0195-4B3A-81F2-8B76B68F974F}"/>
+              </a:ext>
+            </a:extLst>
+          </p:cNvPr>
+          <p:cNvSpPr>
+            <a:spLocks noGrp="1"/>
+          </p:cNvSpPr>
+          <p:nvPr>
+            <p:ph type="body" idx="1"/>
+          </p:nvPr>
+        </p:nvSpPr>
+        <p:spPr/>
+        <p:txBody>
+          <a:bodyPr/>
+          <a:lstStyle/>
+          <a:p>
+            <a:r>
+              <a:rPr lang="en-US" dirty="0"/>
+              <a:t>Subtitle</a:t>
+            </a:r>
+          </a:p>
+        </p:txBody>
+      </p:sp>
+      <p:sp>
+        <p:nvSpPr>
+          <p:cNvPr id="4" name="Content Placeholder 3">
+            <a:extLst>
+              <a:ext uri="{FF2B5EF4-FFF2-40B4-BE49-F238E27FC236}">
+                <a16:creationId xmlns:a16="http://schemas.microsoft.com/office/drawing/2014/main" id="{A84DACD0-2773-4975-A2FE-3BD5764E1F61}"/>
+              </a:ext>
+            </a:extLst>
+          </p:cNvPr>
+          <p:cNvSpPr>
+            <a:spLocks noGrp="1"/>
+          </p:cNvSpPr>
+          <p:nvPr>
+            <p:ph sz="half" idx="2"/>
+          </p:nvPr>
+        </p:nvSpPr>
+        <p:spPr/>
+        <p:txBody>
+          <a:bodyPr/>
+          <a:lstStyle/>
+          <a:p>
+            <a:r>
+              <a:rPr lang="en-US" dirty="0"/>
+              <a:t>Add text, images, art, and videos. </a:t>
+            </a:r>
+          </a:p>
+          <a:p>
+            <a:r>
+              <a:rPr lang="en-US" dirty="0"/>
+              <a:t>Add transitions, animations, and motion. </a:t>
+            </a:r>
+          </a:p>
+          <a:p>
+            <a:r>
+              <a:rPr lang="en-US" dirty="0"/>
+              <a:t>Save to OneDrive, to get to your presentations from your computer, tablet, or phone. </a:t>
+            </a:r>
+          </a:p>
+        </p:txBody>
+      </p:sp>
+      <p:sp>
+        <p:nvSpPr>
+          <p:cNvPr id="5" name="Text Placeholder 4">
+            <a:extLst>
+              <a:ext uri="{FF2B5EF4-FFF2-40B4-BE49-F238E27FC236}">
+                <a16:creationId xmlns:a16="http://schemas.microsoft.com/office/drawing/2014/main" id="{8FCFD254-68A8-4D88-9653-D6F0238D59BD}"/>
+              </a:ext>
+            </a:extLst>
+          </p:cNvPr>
+          <p:cNvSpPr>
+            <a:spLocks noGrp="1"/>
+          </p:cNvSpPr>
+          <p:nvPr>
+            <p:ph type="body" sz="quarter" idx="3"/>
+          </p:nvPr>
+        </p:nvSpPr>
+        <p:spPr/>
+        <p:txBody>
+          <a:bodyPr/>
+          <a:lstStyle/>
+          <a:p>
+            <a:r>
+              <a:rPr lang="en-US" dirty="0"/>
+              <a:t>Subtitle</a:t>
+            </a:r>
+          </a:p>
+        </p:txBody>
+      </p:sp>
+      <p:sp>
+        <p:nvSpPr>
+          <p:cNvPr id="6" name="Content Placeholder 5">
+            <a:extLst>
+              <a:ext uri="{FF2B5EF4-FFF2-40B4-BE49-F238E27FC236}">
+                <a16:creationId xmlns:a16="http://schemas.microsoft.com/office/drawing/2014/main" id="{3905CD03-9B40-4AA4-B6AB-5B38436AB901}"/>
+              </a:ext>
+            </a:extLst>
+          </p:cNvPr>
+          <p:cNvSpPr>
+            <a:spLocks noGrp="1"/>
+          </p:cNvSpPr>
+          <p:nvPr>
+            <p:ph sz="quarter" idx="4"/>
+          </p:nvPr>
+        </p:nvSpPr>
+        <p:spPr/>
+        <p:txBody>
+          <a:bodyPr/>
+          <a:lstStyle/>
+          <a:p>
+            <a:r>
+              <a:rPr lang="en-US" sz="2400" dirty="0"/>
+              <a:t>Open the Design Ideas pane for instant slide makeovers. </a:t>
+            </a:r>
+          </a:p>
+          <a:p>
+            <a:r>
+              <a:rPr lang="en-US" sz="2400" dirty="0"/>
+              <a:t>When we have design ideas, we’ll show them to you right there. </a:t>
+            </a:r>
           </a:p>
         </p:txBody>
       </p:sp>
     </p:spTree>
     <p:extLst>
       <p:ext uri="{BB962C8B-B14F-4D97-AF65-F5344CB8AC3E}">
-        <p14:creationId xmlns:p14="http://schemas.microsoft.com/office/powerpoint/2010/main" val="962258905"/>
+        <p14:creationId xmlns:p14="http://schemas.microsoft.com/office/powerpoint/2010/main" val="2222804949"/>
       </p:ext>
     </p:extLst>
   </p:cSld>
@@ -14107,6 +15038,24 @@
 </file>
 
 <file path=customXml/item1.xml><?xml version="1.0" encoding="utf-8"?>
+<p:properties xmlns:p="http://schemas.microsoft.com/office/2006/metadata/properties" xmlns:xsi="http://www.w3.org/2001/XMLSchema-instance" xmlns:pc="http://schemas.microsoft.com/office/infopath/2007/PartnerControls">
+  <documentManagement>
+    <Status xmlns="71af3243-3dd4-4a8d-8c0d-dd76da1f02a5">Not started</Status>
+    <MediaServiceKeyPoints xmlns="71af3243-3dd4-4a8d-8c0d-dd76da1f02a5" xsi:nil="true"/>
+  </documentManagement>
+</p:properties>
+</file>
+
+<file path=customXml/item2.xml><?xml version="1.0" encoding="utf-8"?>
+<?mso-contentType ?>
+<FormTemplates xmlns="http://schemas.microsoft.com/sharepoint/v3/contenttype/forms">
+  <Display>DocumentLibraryForm</Display>
+  <Edit>DocumentLibraryForm</Edit>
+  <New>DocumentLibraryForm</New>
+</FormTemplates>
+</file>
+
+<file path=customXml/item3.xml><?xml version="1.0" encoding="utf-8"?>
 <ct:contentTypeSchema xmlns:ct="http://schemas.microsoft.com/office/2006/metadata/contentType" xmlns:ma="http://schemas.microsoft.com/office/2006/metadata/properties/metaAttributes" ct:_="" ma:_="" ma:contentTypeName="Document" ma:contentTypeID="0x01010079F111ED35F8CC479449609E8A0923A6" ma:contentTypeVersion="12" ma:contentTypeDescription="Create a new document." ma:contentTypeScope="" ma:versionID="426e97fa315356fffbdcd9876fe988c2">
   <xsd:schema xmlns:xsd="http://www.w3.org/2001/XMLSchema" xmlns:xs="http://www.w3.org/2001/XMLSchema" xmlns:p="http://schemas.microsoft.com/office/2006/metadata/properties" xmlns:ns2="71af3243-3dd4-4a8d-8c0d-dd76da1f02a5" xmlns:ns3="16c05727-aa75-4e4a-9b5f-8a80a1165891" targetNamespace="http://schemas.microsoft.com/office/2006/metadata/properties" ma:root="true" ma:fieldsID="14b8f0def80e6d70ce3def20c90759ae" ns2:_="" ns3:_="">
     <xsd:import namespace="71af3243-3dd4-4a8d-8c0d-dd76da1f02a5"/>
@@ -14327,25 +15276,25 @@
 </ct:contentTypeSchema>
 </file>
 
-<file path=customXml/item2.xml><?xml version="1.0" encoding="utf-8"?>
-<?mso-contentType ?>
-<FormTemplates xmlns="http://schemas.microsoft.com/sharepoint/v3/contenttype/forms">
-  <Display>DocumentLibraryForm</Display>
-  <Edit>DocumentLibraryForm</Edit>
-  <New>DocumentLibraryForm</New>
-</FormTemplates>
+<file path=customXml/itemProps1.xml><?xml version="1.0" encoding="utf-8"?>
+<ds:datastoreItem xmlns:ds="http://schemas.openxmlformats.org/officeDocument/2006/customXml" ds:itemID="{FBDEF148-1770-458F-8F5B-C3D0A278AA97}">
+  <ds:schemaRefs>
+    <ds:schemaRef ds:uri="http://schemas.microsoft.com/office/2006/metadata/properties"/>
+    <ds:schemaRef ds:uri="http://schemas.microsoft.com/office/infopath/2007/PartnerControls"/>
+    <ds:schemaRef ds:uri="71af3243-3dd4-4a8d-8c0d-dd76da1f02a5"/>
+  </ds:schemaRefs>
+</ds:datastoreItem>
 </file>
 
-<file path=customXml/item3.xml><?xml version="1.0" encoding="utf-8"?>
-<p:properties xmlns:p="http://schemas.microsoft.com/office/2006/metadata/properties" xmlns:xsi="http://www.w3.org/2001/XMLSchema-instance" xmlns:pc="http://schemas.microsoft.com/office/infopath/2007/PartnerControls">
-  <documentManagement>
-    <Status xmlns="71af3243-3dd4-4a8d-8c0d-dd76da1f02a5">Not started</Status>
-    <MediaServiceKeyPoints xmlns="71af3243-3dd4-4a8d-8c0d-dd76da1f02a5" xsi:nil="true"/>
-  </documentManagement>
-</p:properties>
+<file path=customXml/itemProps2.xml><?xml version="1.0" encoding="utf-8"?>
+<ds:datastoreItem xmlns:ds="http://schemas.openxmlformats.org/officeDocument/2006/customXml" ds:itemID="{1A449C04-64B3-4403-94B7-8D2284C38D1B}">
+  <ds:schemaRefs>
+    <ds:schemaRef ds:uri="http://schemas.microsoft.com/sharepoint/v3/contenttype/forms"/>
+  </ds:schemaRefs>
+</ds:datastoreItem>
 </file>
 
-<file path=customXml/itemProps1.xml><?xml version="1.0" encoding="utf-8"?>
+<file path=customXml/itemProps3.xml><?xml version="1.0" encoding="utf-8"?>
 <ds:datastoreItem xmlns:ds="http://schemas.openxmlformats.org/officeDocument/2006/customXml" ds:itemID="{8413533D-8C39-401E-8B75-B1AEEEC56B93}">
   <ds:schemaRefs>
     <ds:schemaRef ds:uri="http://schemas.microsoft.com/office/2006/metadata/contentType"/>
@@ -14362,22 +15311,4 @@
     <ds:schemaRef ds:uri="http://schemas.microsoft.com/internal/obd"/>
   </ds:schemaRefs>
 </ds:datastoreItem>
-</file>
-
-<file path=customXml/itemProps2.xml><?xml version="1.0" encoding="utf-8"?>
-<ds:datastoreItem xmlns:ds="http://schemas.openxmlformats.org/officeDocument/2006/customXml" ds:itemID="{1A449C04-64B3-4403-94B7-8D2284C38D1B}">
-  <ds:schemaRefs>
-    <ds:schemaRef ds:uri="http://schemas.microsoft.com/sharepoint/v3/contenttype/forms"/>
-  </ds:schemaRefs>
-</ds:datastoreItem>
-</file>
-
-<file path=customXml/itemProps3.xml><?xml version="1.0" encoding="utf-8"?>
-<ds:datastoreItem xmlns:ds="http://schemas.openxmlformats.org/officeDocument/2006/customXml" ds:itemID="{FBDEF148-1770-458F-8F5B-C3D0A278AA97}">
-  <ds:schemaRefs>
-    <ds:schemaRef ds:uri="http://schemas.microsoft.com/office/2006/metadata/properties"/>
-    <ds:schemaRef ds:uri="http://schemas.microsoft.com/office/infopath/2007/PartnerControls"/>
-    <ds:schemaRef ds:uri="71af3243-3dd4-4a8d-8c0d-dd76da1f02a5"/>
-  </ds:schemaRefs>
-</ds:datastoreItem>
 </file>